--- a/Ch 19 - Classes and Objects/Python Classes and Objects.pptx
+++ b/Ch 19 - Classes and Objects/Python Classes and Objects.pptx
@@ -71,7 +71,7 @@
         <p:txBody>
           <a:bodyPr/>
           <a:p>
-            <a:fld id="{7EF715C5-E38A-4E99-87A7-3414B0DF520C}" type="slidenum">
+            <a:fld id="{8163C29C-9F52-487E-A7B8-000EB4C061F1}" type="slidenum">
               <a:t>&lt;#&gt;</a:t>
             </a:fld>
           </a:p>
@@ -133,7 +133,7 @@
         <p:spPr>
           <a:xfrm>
             <a:off x="457200" y="274680"/>
-            <a:ext cx="8228880" cy="1142280"/>
+            <a:ext cx="8228520" cy="1141920"/>
           </a:xfrm>
           <a:prstGeom prst="rect">
             <a:avLst/>
@@ -259,7 +259,7 @@
         <p:txBody>
           <a:bodyPr/>
           <a:p>
-            <a:fld id="{DDDA4391-7094-4F34-873F-FF0D2D0B27D5}" type="slidenum">
+            <a:fld id="{1CA49716-B3DB-4269-98EB-71CBF5E6CFAE}" type="slidenum">
               <a:t>&lt;#&gt;</a:t>
             </a:fld>
           </a:p>
@@ -321,7 +321,7 @@
         <p:spPr>
           <a:xfrm>
             <a:off x="457200" y="274680"/>
-            <a:ext cx="8228880" cy="1142280"/>
+            <a:ext cx="8228520" cy="1141920"/>
           </a:xfrm>
           <a:prstGeom prst="rect">
             <a:avLst/>
@@ -515,7 +515,7 @@
         <p:txBody>
           <a:bodyPr/>
           <a:p>
-            <a:fld id="{27BA535D-F5CD-4EC4-9CA5-4473DAFC2BE0}" type="slidenum">
+            <a:fld id="{B5713D77-0315-4F1F-89AE-B80C33EF44C7}" type="slidenum">
               <a:t>&lt;#&gt;</a:t>
             </a:fld>
           </a:p>
@@ -577,7 +577,7 @@
         <p:spPr>
           <a:xfrm>
             <a:off x="457200" y="274680"/>
-            <a:ext cx="8228880" cy="1142280"/>
+            <a:ext cx="8228520" cy="1141920"/>
           </a:xfrm>
           <a:prstGeom prst="rect">
             <a:avLst/>
@@ -839,7 +839,7 @@
         <p:txBody>
           <a:bodyPr/>
           <a:p>
-            <a:fld id="{D8AFF071-6A9A-4AA5-8FAB-8F53565DA30B}" type="slidenum">
+            <a:fld id="{911FFD25-4A87-4D93-896B-FCD0948859A9}" type="slidenum">
               <a:t>&lt;#&gt;</a:t>
             </a:fld>
           </a:p>
@@ -901,7 +901,7 @@
         <p:spPr>
           <a:xfrm>
             <a:off x="457200" y="274680"/>
-            <a:ext cx="8228880" cy="1142280"/>
+            <a:ext cx="8228520" cy="1141920"/>
           </a:xfrm>
           <a:prstGeom prst="rect">
             <a:avLst/>
@@ -996,7 +996,7 @@
         <p:txBody>
           <a:bodyPr/>
           <a:p>
-            <a:fld id="{D416B363-457F-45CD-9B0F-2DFFB450C412}" type="slidenum">
+            <a:fld id="{080D7327-05AE-4B14-A586-C3128C645942}" type="slidenum">
               <a:t>&lt;#&gt;</a:t>
             </a:fld>
           </a:p>
@@ -1058,7 +1058,7 @@
         <p:spPr>
           <a:xfrm>
             <a:off x="457200" y="274680"/>
-            <a:ext cx="8228880" cy="1142280"/>
+            <a:ext cx="8228520" cy="1141920"/>
           </a:xfrm>
           <a:prstGeom prst="rect">
             <a:avLst/>
@@ -1150,7 +1150,7 @@
         <p:txBody>
           <a:bodyPr/>
           <a:p>
-            <a:fld id="{CD46648B-D2F9-48EF-89AC-DC077007DC95}" type="slidenum">
+            <a:fld id="{20380189-D735-438E-A79C-5FDECA100304}" type="slidenum">
               <a:t>&lt;#&gt;</a:t>
             </a:fld>
           </a:p>
@@ -1212,7 +1212,7 @@
         <p:spPr>
           <a:xfrm>
             <a:off x="457200" y="274680"/>
-            <a:ext cx="8228880" cy="1142280"/>
+            <a:ext cx="8228520" cy="1141920"/>
           </a:xfrm>
           <a:prstGeom prst="rect">
             <a:avLst/>
@@ -1338,7 +1338,7 @@
         <p:txBody>
           <a:bodyPr/>
           <a:p>
-            <a:fld id="{68D84CF7-E4DC-4DF5-8C3A-9687A5F1F7D0}" type="slidenum">
+            <a:fld id="{6245FA60-6E1A-434F-918C-679554B3B2FD}" type="slidenum">
               <a:t>&lt;#&gt;</a:t>
             </a:fld>
           </a:p>
@@ -1400,7 +1400,7 @@
         <p:spPr>
           <a:xfrm>
             <a:off x="457200" y="274680"/>
-            <a:ext cx="8228880" cy="1142280"/>
+            <a:ext cx="8228520" cy="1141920"/>
           </a:xfrm>
           <a:prstGeom prst="rect">
             <a:avLst/>
@@ -1458,7 +1458,7 @@
         <p:txBody>
           <a:bodyPr/>
           <a:p>
-            <a:fld id="{73EC2FB2-9E31-43C4-BD9A-6562D44A5F28}" type="slidenum">
+            <a:fld id="{70D301C1-1C98-4BFB-86EB-A9E23749890B}" type="slidenum">
               <a:t>&lt;#&gt;</a:t>
             </a:fld>
           </a:p>
@@ -1520,7 +1520,7 @@
         <p:spPr>
           <a:xfrm>
             <a:off x="457200" y="274680"/>
-            <a:ext cx="8228880" cy="5296320"/>
+            <a:ext cx="8228520" cy="5294520"/>
           </a:xfrm>
           <a:prstGeom prst="rect">
             <a:avLst/>
@@ -1578,7 +1578,7 @@
         <p:txBody>
           <a:bodyPr/>
           <a:p>
-            <a:fld id="{C8E6EC90-D20D-4127-AB5D-EAC55AE87214}" type="slidenum">
+            <a:fld id="{33BE8AC9-6DAB-4AC2-AE7B-2FC40EC402EB}" type="slidenum">
               <a:t>&lt;#&gt;</a:t>
             </a:fld>
           </a:p>
@@ -1640,7 +1640,7 @@
         <p:spPr>
           <a:xfrm>
             <a:off x="457200" y="274680"/>
-            <a:ext cx="8228880" cy="1142280"/>
+            <a:ext cx="8228520" cy="1141920"/>
           </a:xfrm>
           <a:prstGeom prst="rect">
             <a:avLst/>
@@ -1800,7 +1800,7 @@
         <p:txBody>
           <a:bodyPr/>
           <a:p>
-            <a:fld id="{F5A698BE-D314-444D-BB35-8258C99CB7C8}" type="slidenum">
+            <a:fld id="{722E5802-1B16-4F8A-B1A6-26DBDF62CD65}" type="slidenum">
               <a:t>&lt;#&gt;</a:t>
             </a:fld>
           </a:p>
@@ -1862,7 +1862,7 @@
         <p:spPr>
           <a:xfrm>
             <a:off x="457200" y="274680"/>
-            <a:ext cx="8228880" cy="1142280"/>
+            <a:ext cx="8228520" cy="1141920"/>
           </a:xfrm>
           <a:prstGeom prst="rect">
             <a:avLst/>
@@ -2022,7 +2022,7 @@
         <p:txBody>
           <a:bodyPr/>
           <a:p>
-            <a:fld id="{72305EBC-C9C6-449A-BA2C-C5B6FC30F5DC}" type="slidenum">
+            <a:fld id="{32648DBE-3927-47E9-AE79-76AF9AFB10F5}" type="slidenum">
               <a:t>&lt;#&gt;</a:t>
             </a:fld>
           </a:p>
@@ -2084,7 +2084,7 @@
         <p:spPr>
           <a:xfrm>
             <a:off x="457200" y="274680"/>
-            <a:ext cx="8228880" cy="1142280"/>
+            <a:ext cx="8228520" cy="1141920"/>
           </a:xfrm>
           <a:prstGeom prst="rect">
             <a:avLst/>
@@ -2244,7 +2244,7 @@
         <p:txBody>
           <a:bodyPr/>
           <a:p>
-            <a:fld id="{95E60226-217E-4E55-A542-0DF26F711C75}" type="slidenum">
+            <a:fld id="{8BE9A213-9037-43AD-9D62-F68820D98572}" type="slidenum">
               <a:t>&lt;#&gt;</a:t>
             </a:fld>
           </a:p>
@@ -2313,7 +2313,7 @@
         <p:spPr>
           <a:xfrm>
             <a:off x="457200" y="274680"/>
-            <a:ext cx="8228880" cy="1142280"/>
+            <a:ext cx="8228520" cy="1141920"/>
           </a:xfrm>
           <a:prstGeom prst="rect">
             <a:avLst/>
@@ -2353,7 +2353,7 @@
         <p:spPr>
           <a:xfrm>
             <a:off x="3124080" y="6356520"/>
-            <a:ext cx="2894760" cy="364320"/>
+            <a:ext cx="2894400" cy="363960"/>
           </a:xfrm>
           <a:prstGeom prst="rect">
             <a:avLst/>
@@ -2410,7 +2410,7 @@
         <p:spPr>
           <a:xfrm>
             <a:off x="6553080" y="6356520"/>
-            <a:ext cx="2133000" cy="364320"/>
+            <a:ext cx="2132640" cy="363960"/>
           </a:xfrm>
           <a:prstGeom prst="rect">
             <a:avLst/>
@@ -2445,7 +2445,7 @@
               </a:lnSpc>
               <a:buNone/>
             </a:pPr>
-            <a:fld id="{B528C31A-0C57-49EB-A3A7-5ACC74BB2082}" type="slidenum">
+            <a:fld id="{27250FE4-0608-486F-9584-2EB116D06C03}" type="slidenum">
               <a:rPr b="0" lang="en-US" sz="1200" spc="-1" strike="noStrike">
                 <a:solidFill>
                   <a:srgbClr val="8b8b8b"/>
@@ -2473,7 +2473,7 @@
         <p:spPr>
           <a:xfrm>
             <a:off x="457200" y="6356520"/>
-            <a:ext cx="2133000" cy="364320"/>
+            <a:ext cx="2132640" cy="363960"/>
           </a:xfrm>
           <a:prstGeom prst="rect">
             <a:avLst/>
@@ -2740,7 +2740,7 @@
         <p:spPr>
           <a:xfrm>
             <a:off x="457200" y="0"/>
-            <a:ext cx="8228880" cy="1218600"/>
+            <a:ext cx="8228520" cy="1218240"/>
           </a:xfrm>
           <a:prstGeom prst="rect">
             <a:avLst/>
@@ -2787,8 +2787,8 @@
         </p:nvSpPr>
         <p:spPr>
           <a:xfrm>
-            <a:off x="304920" y="762120"/>
-            <a:ext cx="8533800" cy="1735560"/>
+            <a:off x="88920" y="762120"/>
+            <a:ext cx="8731080" cy="2009880"/>
           </a:xfrm>
           <a:prstGeom prst="rect">
             <a:avLst/>
@@ -2823,7 +2823,7 @@
                 <a:latin typeface="Calibri"/>
                 <a:ea typeface="DejaVu Sans"/>
               </a:rPr>
-              <a:t>Python is an object oriented programming language</a:t>
+              <a:t>Python is an object oriented programming language.</a:t>
             </a:r>
             <a:endParaRPr b="0" lang="en-IN" sz="1800" spc="-1" strike="noStrike">
               <a:latin typeface="Arial"/>
@@ -2855,7 +2855,7 @@
                 <a:latin typeface="Calibri"/>
                 <a:ea typeface="DejaVu Sans"/>
               </a:rPr>
-              <a:t>Almost everything in Python is an object, with its properties and methods</a:t>
+              <a:t>Almost everything in Python is an object, with its properties and methods.</a:t>
             </a:r>
             <a:endParaRPr b="0" lang="en-IN" sz="1800" spc="-1" strike="noStrike">
               <a:latin typeface="Arial"/>
@@ -2887,7 +2887,39 @@
                 <a:latin typeface="Calibri"/>
                 <a:ea typeface="DejaVu Sans"/>
               </a:rPr>
-              <a:t>A class is a blueprint of creating an object ( Like a Constructor )</a:t>
+              <a:t>A class is a blueprint of creating an object (like a Constructor).</a:t>
+            </a:r>
+            <a:endParaRPr b="0" lang="en-IN" sz="1800" spc="-1" strike="noStrike">
+              <a:latin typeface="Arial"/>
+            </a:endParaRPr>
+          </a:p>
+          <a:p>
+            <a:pPr>
+              <a:lnSpc>
+                <a:spcPct val="100000"/>
+              </a:lnSpc>
+              <a:buNone/>
+            </a:pPr>
+            <a:endParaRPr b="0" lang="en-IN" sz="1800" spc="-1" strike="noStrike">
+              <a:latin typeface="Arial"/>
+            </a:endParaRPr>
+          </a:p>
+          <a:p>
+            <a:pPr>
+              <a:lnSpc>
+                <a:spcPct val="100000"/>
+              </a:lnSpc>
+              <a:buNone/>
+            </a:pPr>
+            <a:r>
+              <a:rPr b="0" lang="en-US" sz="1800" spc="-1" strike="noStrike">
+                <a:solidFill>
+                  <a:srgbClr val="000000"/>
+                </a:solidFill>
+                <a:latin typeface="Calibri"/>
+                <a:ea typeface="DejaVu Sans"/>
+              </a:rPr>
+              <a:t>The keyword to remember is “class” itself.</a:t>
             </a:r>
             <a:endParaRPr b="0" lang="en-IN" sz="1800" spc="-1" strike="noStrike">
               <a:latin typeface="Arial"/>
@@ -3160,7 +3192,7 @@
         <p:spPr>
           <a:xfrm>
             <a:off x="457200" y="228600"/>
-            <a:ext cx="8228880" cy="685080"/>
+            <a:ext cx="8228520" cy="684720"/>
           </a:xfrm>
           <a:prstGeom prst="rect">
             <a:avLst/>
@@ -3208,7 +3240,7 @@
         <p:spPr>
           <a:xfrm>
             <a:off x="762120" y="675720"/>
-            <a:ext cx="6437880" cy="2798280"/>
+            <a:ext cx="7337880" cy="3041640"/>
           </a:xfrm>
           <a:prstGeom prst="rect">
             <a:avLst/>
@@ -3370,7 +3402,28 @@
                 <a:latin typeface="Calibri"/>
                 <a:ea typeface="DejaVu Sans"/>
               </a:rPr>
-              <a:t>print(p1.x) # Getting the property of an Object</a:t>
+              <a:t># Accessing the property of an Object using the dot (.) notation.</a:t>
+            </a:r>
+            <a:endParaRPr b="0" lang="en-IN" sz="1600" spc="-1" strike="noStrike">
+              <a:latin typeface="Arial"/>
+            </a:endParaRPr>
+          </a:p>
+          <a:p>
+            <a:pPr>
+              <a:lnSpc>
+                <a:spcPct val="100000"/>
+              </a:lnSpc>
+              <a:buNone/>
+            </a:pPr>
+            <a:r>
+              <a:rPr b="0" lang="en-US" sz="1600" spc="-1" strike="noStrike">
+                <a:solidFill>
+                  <a:srgbClr val="000000"/>
+                </a:solidFill>
+                <a:latin typeface="Calibri"/>
+                <a:ea typeface="DejaVu Sans"/>
+              </a:rPr>
+              <a:t>print(p1.x) </a:t>
             </a:r>
             <a:endParaRPr b="0" lang="en-IN" sz="1600" spc="-1" strike="noStrike">
               <a:latin typeface="Arial"/>
@@ -3430,7 +3483,7 @@
         <p:spPr>
           <a:xfrm>
             <a:off x="762120" y="3733920"/>
-            <a:ext cx="6857280" cy="516240"/>
+            <a:ext cx="6856920" cy="516240"/>
           </a:xfrm>
           <a:prstGeom prst="rect">
             <a:avLst/>
@@ -3482,7 +3535,7 @@
         <p:spPr>
           <a:xfrm>
             <a:off x="360000" y="4307400"/>
-            <a:ext cx="8640000" cy="639000"/>
+            <a:ext cx="8639640" cy="638280"/>
           </a:xfrm>
           <a:prstGeom prst="rect">
             <a:avLst/>
@@ -3533,8 +3586,8 @@
         </p:nvSpPr>
         <p:spPr>
           <a:xfrm>
-            <a:off x="762120" y="5181480"/>
-            <a:ext cx="5866560" cy="2434680"/>
+            <a:off x="540000" y="5189040"/>
+            <a:ext cx="5537880" cy="2190960"/>
           </a:xfrm>
           <a:prstGeom prst="rect">
             <a:avLst/>
@@ -3624,26 +3677,15 @@
               </a:lnSpc>
               <a:buNone/>
             </a:pPr>
-            <a:endParaRPr b="0" lang="en-IN" sz="1600" spc="-1" strike="noStrike">
-              <a:latin typeface="Arial"/>
-            </a:endParaRPr>
-          </a:p>
-          <a:p>
-            <a:pPr>
-              <a:lnSpc>
-                <a:spcPct val="100000"/>
-              </a:lnSpc>
-              <a:buNone/>
-            </a:pPr>
-            <a:r>
-              <a:rPr b="0" lang="en-US" sz="1600" spc="-1" strike="noStrike">
-                <a:solidFill>
-                  <a:srgbClr val="000000"/>
-                </a:solidFill>
-                <a:latin typeface="Calibri"/>
-                <a:ea typeface="DejaVu Sans"/>
-              </a:rPr>
-              <a:t>  </a:t>
+            <a:r>
+              <a:rPr b="0" lang="en-US" sz="1600" spc="-1" strike="noStrike">
+                <a:solidFill>
+                  <a:srgbClr val="000000"/>
+                </a:solidFill>
+                <a:latin typeface="Calibri"/>
+                <a:ea typeface="DejaVu Sans"/>
+              </a:rPr>
+              <a:t>    </a:t>
             </a:r>
             <a:r>
               <a:rPr b="0" lang="en-US" sz="1600" spc="-1" strike="noStrike">
@@ -3748,7 +3790,7 @@
         <p:spPr>
           <a:xfrm>
             <a:off x="360000" y="117360"/>
-            <a:ext cx="8228880" cy="1142280"/>
+            <a:ext cx="8228520" cy="1141920"/>
           </a:xfrm>
           <a:prstGeom prst="rect">
             <a:avLst/>
@@ -3796,7 +3838,7 @@
         <p:spPr>
           <a:xfrm>
             <a:off x="0" y="878760"/>
-            <a:ext cx="9144000" cy="1063800"/>
+            <a:ext cx="9143640" cy="1063080"/>
           </a:xfrm>
           <a:prstGeom prst="rect">
             <a:avLst/>
@@ -3967,7 +4009,7 @@
         <p:spPr>
           <a:xfrm>
             <a:off x="540000" y="2514600"/>
-            <a:ext cx="8460000" cy="4956840"/>
+            <a:ext cx="8459640" cy="4956840"/>
           </a:xfrm>
           <a:prstGeom prst="rect">
             <a:avLst/>
@@ -4276,63 +4318,14 @@
       </p:grpSpPr>
       <p:sp>
         <p:nvSpPr>
-          <p:cNvPr id="52" name="PlaceHolder 1"/>
-          <p:cNvSpPr>
-            <a:spLocks noGrp="1"/>
-          </p:cNvSpPr>
-          <p:nvPr>
-            <p:ph type="title"/>
-          </p:nvPr>
-        </p:nvSpPr>
-        <p:spPr>
-          <a:xfrm>
-            <a:off x="457200" y="274680"/>
-            <a:ext cx="8228880" cy="1142280"/>
-          </a:xfrm>
-          <a:prstGeom prst="rect">
-            <a:avLst/>
-          </a:prstGeom>
-          <a:noFill/>
-          <a:ln w="0">
-            <a:noFill/>
-          </a:ln>
-        </p:spPr>
-        <p:txBody>
-          <a:bodyPr lIns="0" rIns="0" tIns="0" bIns="0" anchor="ctr">
-            <a:noAutofit/>
-          </a:bodyPr>
-          <a:p>
-            <a:pPr>
-              <a:lnSpc>
-                <a:spcPct val="100000"/>
-              </a:lnSpc>
-              <a:buNone/>
-            </a:pPr>
-            <a:r>
-              <a:rPr b="0" lang="en-US" sz="1800" spc="-1" strike="noStrike">
-                <a:solidFill>
-                  <a:srgbClr val="000000"/>
-                </a:solidFill>
-                <a:latin typeface="Calibri"/>
-              </a:rPr>
-              <a:t>A word about ‘self’</a:t>
-            </a:r>
-            <a:endParaRPr b="0" lang="en-IN" sz="1800" spc="-1" strike="noStrike">
-              <a:latin typeface="Arial"/>
-            </a:endParaRPr>
-          </a:p>
-        </p:txBody>
-      </p:sp>
-      <p:sp>
-        <p:nvSpPr>
-          <p:cNvPr id="53" name=""/>
+          <p:cNvPr id="52" name=""/>
           <p:cNvSpPr/>
           <p:nvPr/>
         </p:nvSpPr>
         <p:spPr>
           <a:xfrm>
             <a:off x="180000" y="1417320"/>
-            <a:ext cx="8819640" cy="5721120"/>
+            <a:ext cx="8819280" cy="5720760"/>
           </a:xfrm>
           <a:prstGeom prst="rect">
             <a:avLst/>
@@ -4361,7 +4354,11 @@
             </a:pPr>
             <a:r>
               <a:rPr b="0" lang="en-IN" sz="1800" spc="-1" strike="noStrike">
+                <a:solidFill>
+                  <a:srgbClr val="000000"/>
+                </a:solidFill>
                 <a:latin typeface="Arial"/>
+                <a:ea typeface="DejaVu Sans"/>
               </a:rPr>
               <a:t>class Person:</a:t>
             </a:r>
@@ -4378,13 +4375,21 @@
             </a:pPr>
             <a:r>
               <a:rPr b="0" lang="en-IN" sz="1800" spc="-1" strike="noStrike">
+                <a:solidFill>
+                  <a:srgbClr val="000000"/>
+                </a:solidFill>
                 <a:latin typeface="Arial"/>
+                <a:ea typeface="DejaVu Sans"/>
               </a:rPr>
               <a:t>    </a:t>
             </a:r>
             <a:r>
               <a:rPr b="0" lang="en-IN" sz="1800" spc="-1" strike="noStrike">
+                <a:solidFill>
+                  <a:srgbClr val="000000"/>
+                </a:solidFill>
                 <a:latin typeface="Arial"/>
+                <a:ea typeface="DejaVu Sans"/>
               </a:rPr>
               <a:t>creator = 'Ashish'</a:t>
             </a:r>
@@ -4401,7 +4406,11 @@
             </a:pPr>
             <a:r>
               <a:rPr b="0" lang="en-IN" sz="1800" spc="-1" strike="noStrike">
+                <a:solidFill>
+                  <a:srgbClr val="000000"/>
+                </a:solidFill>
                 <a:latin typeface="Arial"/>
+                <a:ea typeface="DejaVu Sans"/>
               </a:rPr>
               <a:t>    </a:t>
             </a:r>
@@ -4418,13 +4427,21 @@
             </a:pPr>
             <a:r>
               <a:rPr b="0" lang="en-IN" sz="1800" spc="-1" strike="noStrike">
+                <a:solidFill>
+                  <a:srgbClr val="000000"/>
+                </a:solidFill>
                 <a:latin typeface="Arial"/>
+                <a:ea typeface="DejaVu Sans"/>
               </a:rPr>
               <a:t>    </a:t>
             </a:r>
             <a:r>
               <a:rPr b="0" lang="en-IN" sz="1800" spc="-1" strike="noStrike">
+                <a:solidFill>
+                  <a:srgbClr val="000000"/>
+                </a:solidFill>
                 <a:latin typeface="Arial"/>
+                <a:ea typeface="DejaVu Sans"/>
               </a:rPr>
               <a:t>def __init__(self, name, age):</a:t>
             </a:r>
@@ -4441,13 +4458,21 @@
             </a:pPr>
             <a:r>
               <a:rPr b="0" lang="en-IN" sz="1800" spc="-1" strike="noStrike">
+                <a:solidFill>
+                  <a:srgbClr val="000000"/>
+                </a:solidFill>
                 <a:latin typeface="Arial"/>
+                <a:ea typeface="DejaVu Sans"/>
               </a:rPr>
               <a:t>        </a:t>
             </a:r>
             <a:r>
               <a:rPr b="0" lang="en-IN" sz="1800" spc="-1" strike="noStrike">
+                <a:solidFill>
+                  <a:srgbClr val="000000"/>
+                </a:solidFill>
                 <a:latin typeface="Arial"/>
+                <a:ea typeface="DejaVu Sans"/>
               </a:rPr>
               <a:t>self.name = name</a:t>
             </a:r>
@@ -4464,13 +4489,21 @@
             </a:pPr>
             <a:r>
               <a:rPr b="0" lang="en-IN" sz="1800" spc="-1" strike="noStrike">
+                <a:solidFill>
+                  <a:srgbClr val="000000"/>
+                </a:solidFill>
                 <a:latin typeface="Arial"/>
+                <a:ea typeface="DejaVu Sans"/>
               </a:rPr>
               <a:t>        </a:t>
             </a:r>
             <a:r>
               <a:rPr b="0" lang="en-IN" sz="1800" spc="-1" strike="noStrike">
+                <a:solidFill>
+                  <a:srgbClr val="000000"/>
+                </a:solidFill>
                 <a:latin typeface="Arial"/>
+                <a:ea typeface="DejaVu Sans"/>
               </a:rPr>
               <a:t>self.age = age</a:t>
             </a:r>
@@ -4498,7 +4531,11 @@
             </a:pPr>
             <a:r>
               <a:rPr b="0" lang="en-IN" sz="1800" spc="-1" strike="noStrike">
+                <a:solidFill>
+                  <a:srgbClr val="000000"/>
+                </a:solidFill>
                 <a:latin typeface="Arial"/>
+                <a:ea typeface="DejaVu Sans"/>
               </a:rPr>
               <a:t>p1 = Person("John", 36)</a:t>
             </a:r>
@@ -4537,7 +4574,11 @@
             </a:pPr>
             <a:r>
               <a:rPr b="0" lang="en-IN" sz="1800" spc="-1" strike="noStrike">
+                <a:solidFill>
+                  <a:srgbClr val="000000"/>
+                </a:solidFill>
                 <a:latin typeface="Arial"/>
+                <a:ea typeface="DejaVu Sans"/>
               </a:rPr>
               <a:t>print(p1.name)</a:t>
             </a:r>
@@ -4554,7 +4595,11 @@
             </a:pPr>
             <a:r>
               <a:rPr b="0" lang="en-IN" sz="1800" spc="-1" strike="noStrike">
+                <a:solidFill>
+                  <a:srgbClr val="000000"/>
+                </a:solidFill>
                 <a:latin typeface="Arial"/>
+                <a:ea typeface="DejaVu Sans"/>
               </a:rPr>
               <a:t>print(p1.age) </a:t>
             </a:r>
@@ -4582,7 +4627,11 @@
             </a:pPr>
             <a:r>
               <a:rPr b="0" lang="en-IN" sz="1800" spc="-1" strike="noStrike">
+                <a:solidFill>
+                  <a:srgbClr val="000000"/>
+                </a:solidFill>
                 <a:latin typeface="Arial"/>
+                <a:ea typeface="DejaVu Sans"/>
               </a:rPr>
               <a:t>Simply stated, self refers to an instance itself. </a:t>
             </a:r>
@@ -4610,7 +4659,11 @@
             </a:pPr>
             <a:r>
               <a:rPr b="0" lang="en-IN" sz="1800" spc="-1" strike="noStrike">
+                <a:solidFill>
+                  <a:srgbClr val="000000"/>
+                </a:solidFill>
                 <a:latin typeface="Arial"/>
+                <a:ea typeface="DejaVu Sans"/>
               </a:rPr>
               <a:t>For now, just know that when we want to refer to instance variables in the class, we need to add self in front of the variable names. </a:t>
             </a:r>
@@ -4638,11 +4691,60 @@
             </a:pPr>
             <a:r>
               <a:rPr b="0" lang="en-IN" sz="1800" spc="-1" strike="noStrike">
+                <a:solidFill>
+                  <a:srgbClr val="000000"/>
+                </a:solidFill>
                 <a:latin typeface="Arial"/>
+                <a:ea typeface="DejaVu Sans"/>
               </a:rPr>
               <a:t>In addition, most methods in a class have self as the first parameter.</a:t>
             </a:r>
             <a:endParaRPr b="0" lang="en-IN" sz="1800" spc="-1" strike="noStrike">
+              <a:latin typeface="Arial"/>
+            </a:endParaRPr>
+          </a:p>
+        </p:txBody>
+      </p:sp>
+      <p:sp>
+        <p:nvSpPr>
+          <p:cNvPr id="53" name="PlaceHolder 2"/>
+          <p:cNvSpPr txBox="1"/>
+          <p:nvPr/>
+        </p:nvSpPr>
+        <p:spPr>
+          <a:xfrm>
+            <a:off x="180000" y="0"/>
+            <a:ext cx="8228520" cy="1141920"/>
+          </a:xfrm>
+          <a:prstGeom prst="rect">
+            <a:avLst/>
+          </a:prstGeom>
+          <a:noFill/>
+          <a:ln w="0">
+            <a:noFill/>
+          </a:ln>
+        </p:spPr>
+        <p:txBody>
+          <a:bodyPr lIns="0" rIns="0" tIns="0" bIns="0" anchor="ctr">
+            <a:normAutofit/>
+          </a:bodyPr>
+          <a:p>
+            <a:pPr algn="ctr">
+              <a:lnSpc>
+                <a:spcPct val="100000"/>
+              </a:lnSpc>
+              <a:buNone/>
+            </a:pPr>
+            <a:r>
+              <a:rPr b="1" lang="en-US" sz="2800" spc="-1" strike="noStrike">
+                <a:solidFill>
+                  <a:srgbClr val="002060"/>
+                </a:solidFill>
+                <a:latin typeface="Calibri"/>
+              </a:rPr>
+              <a:t>A word about ‘self’</a:t>
+            </a:r>
+            <a:endParaRPr b="0" lang="en-IN" sz="2800" spc="-1" strike="noStrike">
               <a:latin typeface="Arial"/>
             </a:endParaRPr>
           </a:p>
@@ -4691,7 +4793,7 @@
         <p:spPr>
           <a:xfrm>
             <a:off x="97200" y="72000"/>
-            <a:ext cx="8228880" cy="867600"/>
+            <a:ext cx="8228520" cy="867240"/>
           </a:xfrm>
           <a:prstGeom prst="rect">
             <a:avLst/>
@@ -4736,7 +4838,7 @@
         <p:spPr>
           <a:xfrm>
             <a:off x="380880" y="1066680"/>
-            <a:ext cx="8228880" cy="638280"/>
+            <a:ext cx="8228520" cy="638280"/>
           </a:xfrm>
           <a:prstGeom prst="rect">
             <a:avLst/>
@@ -4823,7 +4925,7 @@
         <p:spPr>
           <a:xfrm>
             <a:off x="180000" y="1600200"/>
-            <a:ext cx="8820000" cy="5262840"/>
+            <a:ext cx="8819640" cy="5262120"/>
           </a:xfrm>
           <a:prstGeom prst="rect">
             <a:avLst/>
@@ -5211,7 +5313,7 @@
         <p:spPr>
           <a:xfrm>
             <a:off x="457200" y="274680"/>
-            <a:ext cx="8228880" cy="1142280"/>
+            <a:ext cx="8228520" cy="1141920"/>
           </a:xfrm>
           <a:prstGeom prst="rect">
             <a:avLst/>
@@ -5227,6 +5329,9 @@
           </a:bodyPr>
           <a:p>
             <a:pPr algn="ctr">
+              <a:lnSpc>
+                <a:spcPct val="100000"/>
+              </a:lnSpc>
               <a:buNone/>
             </a:pPr>
             <a:r>
@@ -5244,13 +5349,13 @@
       <p:sp>
         <p:nvSpPr>
           <p:cNvPr id="58" name=""/>
-          <p:cNvSpPr txBox="1"/>
+          <p:cNvSpPr/>
           <p:nvPr/>
         </p:nvSpPr>
         <p:spPr>
           <a:xfrm>
             <a:off x="360000" y="1737720"/>
-            <a:ext cx="7380000" cy="602280"/>
+            <a:ext cx="7379640" cy="601920"/>
           </a:xfrm>
           <a:prstGeom prst="rect">
             <a:avLst/>
@@ -5260,11 +5365,23 @@
             <a:noFill/>
           </a:ln>
         </p:spPr>
+        <p:style>
+          <a:lnRef idx="0"/>
+          <a:fillRef idx="0"/>
+          <a:effectRef idx="0"/>
+          <a:fontRef idx="minor"/>
+        </p:style>
         <p:txBody>
           <a:bodyPr lIns="90000" rIns="90000" tIns="45000" bIns="45000" anchor="t">
             <a:noAutofit/>
           </a:bodyPr>
           <a:p>
+            <a:pPr>
+              <a:lnSpc>
+                <a:spcPct val="100000"/>
+              </a:lnSpc>
+              <a:buNone/>
+            </a:pPr>
             <a:r>
               <a:rPr b="0" lang="en-IN" sz="1800" spc="-1" strike="noStrike">
                 <a:latin typeface="Arial"/>
@@ -5280,13 +5397,13 @@
       <p:sp>
         <p:nvSpPr>
           <p:cNvPr id="59" name=""/>
-          <p:cNvSpPr txBox="1"/>
+          <p:cNvSpPr/>
           <p:nvPr/>
         </p:nvSpPr>
         <p:spPr>
           <a:xfrm>
             <a:off x="540000" y="2340000"/>
-            <a:ext cx="6480000" cy="2138040"/>
+            <a:ext cx="6479640" cy="2137680"/>
           </a:xfrm>
           <a:prstGeom prst="rect">
             <a:avLst/>
@@ -5296,11 +5413,23 @@
             <a:noFill/>
           </a:ln>
         </p:spPr>
+        <p:style>
+          <a:lnRef idx="0"/>
+          <a:fillRef idx="0"/>
+          <a:effectRef idx="0"/>
+          <a:fontRef idx="minor"/>
+        </p:style>
         <p:txBody>
           <a:bodyPr lIns="90000" rIns="90000" tIns="45000" bIns="45000" anchor="t">
             <a:noAutofit/>
           </a:bodyPr>
           <a:p>
+            <a:pPr>
+              <a:lnSpc>
+                <a:spcPct val="100000"/>
+              </a:lnSpc>
+              <a:buNone/>
+            </a:pPr>
             <a:r>
               <a:rPr b="0" lang="en-IN" sz="1800" spc="-1" strike="noStrike">
                 <a:latin typeface="Arial"/>
@@ -5312,6 +5441,12 @@
             </a:endParaRPr>
           </a:p>
           <a:p>
+            <a:pPr>
+              <a:lnSpc>
+                <a:spcPct val="100000"/>
+              </a:lnSpc>
+              <a:buNone/>
+            </a:pPr>
             <a:r>
               <a:rPr b="0" lang="en-IN" sz="1800" spc="-1" strike="noStrike">
                 <a:latin typeface="Arial"/>
@@ -5323,6 +5458,12 @@
             </a:endParaRPr>
           </a:p>
           <a:p>
+            <a:pPr>
+              <a:lnSpc>
+                <a:spcPct val="100000"/>
+              </a:lnSpc>
+              <a:buNone/>
+            </a:pPr>
             <a:r>
               <a:rPr b="0" lang="en-IN" sz="1800" spc="-1" strike="noStrike">
                 <a:latin typeface="Arial"/>
@@ -5334,6 +5475,12 @@
             </a:endParaRPr>
           </a:p>
           <a:p>
+            <a:pPr>
+              <a:lnSpc>
+                <a:spcPct val="100000"/>
+              </a:lnSpc>
+              <a:buNone/>
+            </a:pPr>
             <a:r>
               <a:rPr b="0" lang="en-IN" sz="1800" spc="-1" strike="noStrike">
                 <a:latin typeface="Arial"/>
@@ -5345,6 +5492,12 @@
             </a:endParaRPr>
           </a:p>
           <a:p>
+            <a:pPr>
+              <a:lnSpc>
+                <a:spcPct val="100000"/>
+              </a:lnSpc>
+              <a:buNone/>
+            </a:pPr>
             <a:r>
               <a:rPr b="0" lang="en-IN" sz="1800" spc="-1" strike="noStrike">
                 <a:latin typeface="Arial"/>
@@ -5356,6 +5509,12 @@
             </a:endParaRPr>
           </a:p>
           <a:p>
+            <a:pPr>
+              <a:lnSpc>
+                <a:spcPct val="100000"/>
+              </a:lnSpc>
+              <a:buNone/>
+            </a:pPr>
             <a:r>
               <a:rPr b="0" lang="en-IN" sz="1800" spc="-1" strike="noStrike">
                 <a:latin typeface="Arial"/>
@@ -5367,11 +5526,23 @@
             </a:endParaRPr>
           </a:p>
           <a:p>
-            <a:endParaRPr b="0" lang="en-IN" sz="1800" spc="-1" strike="noStrike">
-              <a:latin typeface="Arial"/>
-            </a:endParaRPr>
-          </a:p>
-          <a:p>
+            <a:pPr>
+              <a:lnSpc>
+                <a:spcPct val="100000"/>
+              </a:lnSpc>
+              <a:buNone/>
+            </a:pPr>
+            <a:endParaRPr b="0" lang="en-IN" sz="1800" spc="-1" strike="noStrike">
+              <a:latin typeface="Arial"/>
+            </a:endParaRPr>
+          </a:p>
+          <a:p>
+            <a:pPr>
+              <a:lnSpc>
+                <a:spcPct val="100000"/>
+              </a:lnSpc>
+              <a:buNone/>
+            </a:pPr>
             <a:endParaRPr b="0" lang="en-IN" sz="1800" spc="-1" strike="noStrike">
               <a:latin typeface="Arial"/>
             </a:endParaRPr>
@@ -5381,13 +5552,13 @@
       <p:sp>
         <p:nvSpPr>
           <p:cNvPr id="60" name=""/>
-          <p:cNvSpPr txBox="1"/>
+          <p:cNvSpPr/>
           <p:nvPr/>
         </p:nvSpPr>
         <p:spPr>
           <a:xfrm>
             <a:off x="360000" y="4077720"/>
-            <a:ext cx="7920000" cy="602280"/>
+            <a:ext cx="7919640" cy="601920"/>
           </a:xfrm>
           <a:prstGeom prst="rect">
             <a:avLst/>
@@ -5397,11 +5568,23 @@
             <a:noFill/>
           </a:ln>
         </p:spPr>
+        <p:style>
+          <a:lnRef idx="0"/>
+          <a:fillRef idx="0"/>
+          <a:effectRef idx="0"/>
+          <a:fontRef idx="minor"/>
+        </p:style>
         <p:txBody>
           <a:bodyPr lIns="90000" rIns="90000" tIns="45000" bIns="45000" anchor="t">
             <a:noAutofit/>
           </a:bodyPr>
           <a:p>
+            <a:pPr>
+              <a:lnSpc>
+                <a:spcPct val="100000"/>
+              </a:lnSpc>
+              <a:buNone/>
+            </a:pPr>
             <a:r>
               <a:rPr b="0" lang="en-IN" sz="1800" spc="-1" strike="noStrike">
                 <a:latin typeface="Arial"/>
@@ -5447,13 +5630,13 @@
       <p:sp>
         <p:nvSpPr>
           <p:cNvPr id="61" name=""/>
-          <p:cNvSpPr txBox="1"/>
+          <p:cNvSpPr/>
           <p:nvPr/>
         </p:nvSpPr>
         <p:spPr>
           <a:xfrm>
             <a:off x="360000" y="360000"/>
-            <a:ext cx="8640000" cy="4441680"/>
+            <a:ext cx="8639640" cy="4441320"/>
           </a:xfrm>
           <a:prstGeom prst="rect">
             <a:avLst/>
@@ -5463,11 +5646,23 @@
             <a:noFill/>
           </a:ln>
         </p:spPr>
+        <p:style>
+          <a:lnRef idx="0"/>
+          <a:fillRef idx="0"/>
+          <a:effectRef idx="0"/>
+          <a:fontRef idx="minor"/>
+        </p:style>
         <p:txBody>
           <a:bodyPr lIns="90000" rIns="90000" tIns="45000" bIns="45000" anchor="t">
             <a:noAutofit/>
           </a:bodyPr>
           <a:p>
+            <a:pPr>
+              <a:lnSpc>
+                <a:spcPct val="100000"/>
+              </a:lnSpc>
+              <a:buNone/>
+            </a:pPr>
             <a:r>
               <a:rPr b="0" lang="en-IN" sz="1800" spc="-1" strike="noStrike">
                 <a:latin typeface="Arial"/>
@@ -5479,6 +5674,12 @@
             </a:endParaRPr>
           </a:p>
           <a:p>
+            <a:pPr>
+              <a:lnSpc>
+                <a:spcPct val="100000"/>
+              </a:lnSpc>
+              <a:buNone/>
+            </a:pPr>
             <a:r>
               <a:rPr b="0" lang="en-IN" sz="1800" spc="-1" strike="noStrike">
                 <a:latin typeface="Arial"/>
@@ -5496,6 +5697,12 @@
             </a:endParaRPr>
           </a:p>
           <a:p>
+            <a:pPr>
+              <a:lnSpc>
+                <a:spcPct val="100000"/>
+              </a:lnSpc>
+              <a:buNone/>
+            </a:pPr>
             <a:r>
               <a:rPr b="0" lang="en-IN" sz="1800" spc="-1" strike="noStrike">
                 <a:latin typeface="Arial"/>
@@ -5513,6 +5720,12 @@
             </a:endParaRPr>
           </a:p>
           <a:p>
+            <a:pPr>
+              <a:lnSpc>
+                <a:spcPct val="100000"/>
+              </a:lnSpc>
+              <a:buNone/>
+            </a:pPr>
             <a:r>
               <a:rPr b="0" lang="en-IN" sz="1800" spc="-1" strike="noStrike">
                 <a:latin typeface="Arial"/>
@@ -5530,6 +5743,12 @@
             </a:endParaRPr>
           </a:p>
           <a:p>
+            <a:pPr>
+              <a:lnSpc>
+                <a:spcPct val="100000"/>
+              </a:lnSpc>
+              <a:buNone/>
+            </a:pPr>
             <a:r>
               <a:rPr b="0" lang="en-IN" sz="1800" spc="-1" strike="noStrike">
                 <a:latin typeface="Arial"/>
@@ -5541,6 +5760,12 @@
             </a:endParaRPr>
           </a:p>
           <a:p>
+            <a:pPr>
+              <a:lnSpc>
+                <a:spcPct val="100000"/>
+              </a:lnSpc>
+              <a:buNone/>
+            </a:pPr>
             <a:r>
               <a:rPr b="0" lang="en-IN" sz="1800" spc="-1" strike="noStrike">
                 <a:latin typeface="Arial"/>
@@ -5558,6 +5783,12 @@
             </a:endParaRPr>
           </a:p>
           <a:p>
+            <a:pPr>
+              <a:lnSpc>
+                <a:spcPct val="100000"/>
+              </a:lnSpc>
+              <a:buNone/>
+            </a:pPr>
             <a:r>
               <a:rPr b="0" lang="en-IN" sz="1800" spc="-1" strike="noStrike">
                 <a:latin typeface="Arial"/>
@@ -5575,6 +5806,12 @@
             </a:endParaRPr>
           </a:p>
           <a:p>
+            <a:pPr>
+              <a:lnSpc>
+                <a:spcPct val="100000"/>
+              </a:lnSpc>
+              <a:buNone/>
+            </a:pPr>
             <a:r>
               <a:rPr b="0" lang="en-IN" sz="1800" spc="-1" strike="noStrike">
                 <a:latin typeface="Arial"/>
@@ -5586,6 +5823,12 @@
             </a:endParaRPr>
           </a:p>
           <a:p>
+            <a:pPr>
+              <a:lnSpc>
+                <a:spcPct val="100000"/>
+              </a:lnSpc>
+              <a:buNone/>
+            </a:pPr>
             <a:r>
               <a:rPr b="0" lang="en-IN" sz="1800" spc="-1" strike="noStrike">
                 <a:latin typeface="Arial"/>
@@ -5603,6 +5846,12 @@
             </a:endParaRPr>
           </a:p>
           <a:p>
+            <a:pPr>
+              <a:lnSpc>
+                <a:spcPct val="100000"/>
+              </a:lnSpc>
+              <a:buNone/>
+            </a:pPr>
             <a:r>
               <a:rPr b="0" lang="en-IN" sz="1800" spc="-1" strike="noStrike">
                 <a:latin typeface="Arial"/>
@@ -5620,6 +5869,12 @@
             </a:endParaRPr>
           </a:p>
           <a:p>
+            <a:pPr>
+              <a:lnSpc>
+                <a:spcPct val="100000"/>
+              </a:lnSpc>
+              <a:buNone/>
+            </a:pPr>
             <a:r>
               <a:rPr b="0" lang="en-IN" sz="1800" spc="-1" strike="noStrike">
                 <a:latin typeface="Arial"/>
@@ -5631,6 +5886,12 @@
             </a:endParaRPr>
           </a:p>
           <a:p>
+            <a:pPr>
+              <a:lnSpc>
+                <a:spcPct val="100000"/>
+              </a:lnSpc>
+              <a:buNone/>
+            </a:pPr>
             <a:r>
               <a:rPr b="0" lang="en-IN" sz="1800" spc="-1" strike="noStrike">
                 <a:latin typeface="Arial"/>
@@ -5648,6 +5909,12 @@
             </a:endParaRPr>
           </a:p>
           <a:p>
+            <a:pPr>
+              <a:lnSpc>
+                <a:spcPct val="100000"/>
+              </a:lnSpc>
+              <a:buNone/>
+            </a:pPr>
             <a:r>
               <a:rPr b="0" lang="en-IN" sz="1800" spc="-1" strike="noStrike">
                 <a:latin typeface="Arial"/>
@@ -5679,7 +5946,7 @@
         <p:spPr>
           <a:xfrm>
             <a:off x="4320000" y="382680"/>
-            <a:ext cx="3076200" cy="4657320"/>
+            <a:ext cx="3075840" cy="4656960"/>
           </a:xfrm>
           <a:prstGeom prst="rect">
             <a:avLst/>
@@ -5732,7 +5999,7 @@
         <p:spPr>
           <a:xfrm>
             <a:off x="457200" y="274680"/>
-            <a:ext cx="8228880" cy="867600"/>
+            <a:ext cx="8228520" cy="867240"/>
           </a:xfrm>
           <a:prstGeom prst="rect">
             <a:avLst/>
@@ -5780,7 +6047,7 @@
         <p:spPr>
           <a:xfrm>
             <a:off x="762120" y="1295280"/>
-            <a:ext cx="7543080" cy="5474520"/>
+            <a:ext cx="7542720" cy="5474520"/>
           </a:xfrm>
           <a:prstGeom prst="rect">
             <a:avLst/>
@@ -6235,7 +6502,7 @@
         <p:spPr>
           <a:xfrm>
             <a:off x="457200" y="274680"/>
-            <a:ext cx="8228880" cy="639000"/>
+            <a:ext cx="8228520" cy="638640"/>
           </a:xfrm>
           <a:prstGeom prst="rect">
             <a:avLst/>
@@ -6280,7 +6547,7 @@
         <p:spPr>
           <a:xfrm>
             <a:off x="685800" y="1143000"/>
-            <a:ext cx="5417280" cy="6297480"/>
+            <a:ext cx="5416920" cy="6297480"/>
           </a:xfrm>
           <a:prstGeom prst="rect">
             <a:avLst/>

--- a/Ch 19 - Classes and Objects/Python Classes and Objects.pptx
+++ b/Ch 19 - Classes and Objects/Python Classes and Objects.pptx
@@ -71,7 +71,7 @@
         <p:txBody>
           <a:bodyPr/>
           <a:p>
-            <a:fld id="{8163C29C-9F52-487E-A7B8-000EB4C061F1}" type="slidenum">
+            <a:fld id="{E58BCA04-0BBA-40BB-9736-87EF56FFBF10}" type="slidenum">
               <a:t>&lt;#&gt;</a:t>
             </a:fld>
           </a:p>
@@ -133,7 +133,7 @@
         <p:spPr>
           <a:xfrm>
             <a:off x="457200" y="274680"/>
-            <a:ext cx="8228520" cy="1141920"/>
+            <a:ext cx="8228160" cy="1141560"/>
           </a:xfrm>
           <a:prstGeom prst="rect">
             <a:avLst/>
@@ -259,7 +259,7 @@
         <p:txBody>
           <a:bodyPr/>
           <a:p>
-            <a:fld id="{1CA49716-B3DB-4269-98EB-71CBF5E6CFAE}" type="slidenum">
+            <a:fld id="{6BAD9A56-E79F-46AE-8881-9DAEAB9424E3}" type="slidenum">
               <a:t>&lt;#&gt;</a:t>
             </a:fld>
           </a:p>
@@ -321,7 +321,7 @@
         <p:spPr>
           <a:xfrm>
             <a:off x="457200" y="274680"/>
-            <a:ext cx="8228520" cy="1141920"/>
+            <a:ext cx="8228160" cy="1141560"/>
           </a:xfrm>
           <a:prstGeom prst="rect">
             <a:avLst/>
@@ -515,7 +515,7 @@
         <p:txBody>
           <a:bodyPr/>
           <a:p>
-            <a:fld id="{B5713D77-0315-4F1F-89AE-B80C33EF44C7}" type="slidenum">
+            <a:fld id="{D502F954-ADEC-42BA-9A3E-486BEB83163F}" type="slidenum">
               <a:t>&lt;#&gt;</a:t>
             </a:fld>
           </a:p>
@@ -577,7 +577,7 @@
         <p:spPr>
           <a:xfrm>
             <a:off x="457200" y="274680"/>
-            <a:ext cx="8228520" cy="1141920"/>
+            <a:ext cx="8228160" cy="1141560"/>
           </a:xfrm>
           <a:prstGeom prst="rect">
             <a:avLst/>
@@ -839,7 +839,7 @@
         <p:txBody>
           <a:bodyPr/>
           <a:p>
-            <a:fld id="{911FFD25-4A87-4D93-896B-FCD0948859A9}" type="slidenum">
+            <a:fld id="{AD259EBA-5500-40B2-A42F-FF7E9971D0C5}" type="slidenum">
               <a:t>&lt;#&gt;</a:t>
             </a:fld>
           </a:p>
@@ -901,7 +901,7 @@
         <p:spPr>
           <a:xfrm>
             <a:off x="457200" y="274680"/>
-            <a:ext cx="8228520" cy="1141920"/>
+            <a:ext cx="8228160" cy="1141560"/>
           </a:xfrm>
           <a:prstGeom prst="rect">
             <a:avLst/>
@@ -996,7 +996,7 @@
         <p:txBody>
           <a:bodyPr/>
           <a:p>
-            <a:fld id="{080D7327-05AE-4B14-A586-C3128C645942}" type="slidenum">
+            <a:fld id="{FCE4840F-DCB8-4228-820D-C55E99FD60EA}" type="slidenum">
               <a:t>&lt;#&gt;</a:t>
             </a:fld>
           </a:p>
@@ -1058,7 +1058,7 @@
         <p:spPr>
           <a:xfrm>
             <a:off x="457200" y="274680"/>
-            <a:ext cx="8228520" cy="1141920"/>
+            <a:ext cx="8228160" cy="1141560"/>
           </a:xfrm>
           <a:prstGeom prst="rect">
             <a:avLst/>
@@ -1150,7 +1150,7 @@
         <p:txBody>
           <a:bodyPr/>
           <a:p>
-            <a:fld id="{20380189-D735-438E-A79C-5FDECA100304}" type="slidenum">
+            <a:fld id="{B59A098C-B4C2-4F1D-A229-88436F88ECC6}" type="slidenum">
               <a:t>&lt;#&gt;</a:t>
             </a:fld>
           </a:p>
@@ -1212,7 +1212,7 @@
         <p:spPr>
           <a:xfrm>
             <a:off x="457200" y="274680"/>
-            <a:ext cx="8228520" cy="1141920"/>
+            <a:ext cx="8228160" cy="1141560"/>
           </a:xfrm>
           <a:prstGeom prst="rect">
             <a:avLst/>
@@ -1338,7 +1338,7 @@
         <p:txBody>
           <a:bodyPr/>
           <a:p>
-            <a:fld id="{6245FA60-6E1A-434F-918C-679554B3B2FD}" type="slidenum">
+            <a:fld id="{52D44DC2-963A-499F-95E4-B30A546CEC72}" type="slidenum">
               <a:t>&lt;#&gt;</a:t>
             </a:fld>
           </a:p>
@@ -1400,7 +1400,7 @@
         <p:spPr>
           <a:xfrm>
             <a:off x="457200" y="274680"/>
-            <a:ext cx="8228520" cy="1141920"/>
+            <a:ext cx="8228160" cy="1141560"/>
           </a:xfrm>
           <a:prstGeom prst="rect">
             <a:avLst/>
@@ -1458,7 +1458,7 @@
         <p:txBody>
           <a:bodyPr/>
           <a:p>
-            <a:fld id="{70D301C1-1C98-4BFB-86EB-A9E23749890B}" type="slidenum">
+            <a:fld id="{57D1F1B4-E357-4EB1-9A1E-698FD1FB0BF8}" type="slidenum">
               <a:t>&lt;#&gt;</a:t>
             </a:fld>
           </a:p>
@@ -1520,7 +1520,7 @@
         <p:spPr>
           <a:xfrm>
             <a:off x="457200" y="274680"/>
-            <a:ext cx="8228520" cy="5294520"/>
+            <a:ext cx="8228160" cy="5292720"/>
           </a:xfrm>
           <a:prstGeom prst="rect">
             <a:avLst/>
@@ -1578,7 +1578,7 @@
         <p:txBody>
           <a:bodyPr/>
           <a:p>
-            <a:fld id="{33BE8AC9-6DAB-4AC2-AE7B-2FC40EC402EB}" type="slidenum">
+            <a:fld id="{2317C56F-1478-4C46-B6CE-A88F9D2ECE1B}" type="slidenum">
               <a:t>&lt;#&gt;</a:t>
             </a:fld>
           </a:p>
@@ -1640,7 +1640,7 @@
         <p:spPr>
           <a:xfrm>
             <a:off x="457200" y="274680"/>
-            <a:ext cx="8228520" cy="1141920"/>
+            <a:ext cx="8228160" cy="1141560"/>
           </a:xfrm>
           <a:prstGeom prst="rect">
             <a:avLst/>
@@ -1800,7 +1800,7 @@
         <p:txBody>
           <a:bodyPr/>
           <a:p>
-            <a:fld id="{722E5802-1B16-4F8A-B1A6-26DBDF62CD65}" type="slidenum">
+            <a:fld id="{2734CB3B-6E9F-45D9-B5F4-90A84154DDE3}" type="slidenum">
               <a:t>&lt;#&gt;</a:t>
             </a:fld>
           </a:p>
@@ -1862,7 +1862,7 @@
         <p:spPr>
           <a:xfrm>
             <a:off x="457200" y="274680"/>
-            <a:ext cx="8228520" cy="1141920"/>
+            <a:ext cx="8228160" cy="1141560"/>
           </a:xfrm>
           <a:prstGeom prst="rect">
             <a:avLst/>
@@ -2022,7 +2022,7 @@
         <p:txBody>
           <a:bodyPr/>
           <a:p>
-            <a:fld id="{32648DBE-3927-47E9-AE79-76AF9AFB10F5}" type="slidenum">
+            <a:fld id="{B9166553-E324-46B0-9D4E-A64B604A40F1}" type="slidenum">
               <a:t>&lt;#&gt;</a:t>
             </a:fld>
           </a:p>
@@ -2084,7 +2084,7 @@
         <p:spPr>
           <a:xfrm>
             <a:off x="457200" y="274680"/>
-            <a:ext cx="8228520" cy="1141920"/>
+            <a:ext cx="8228160" cy="1141560"/>
           </a:xfrm>
           <a:prstGeom prst="rect">
             <a:avLst/>
@@ -2244,7 +2244,7 @@
         <p:txBody>
           <a:bodyPr/>
           <a:p>
-            <a:fld id="{8BE9A213-9037-43AD-9D62-F68820D98572}" type="slidenum">
+            <a:fld id="{6A5B7A39-015E-46C5-8C76-4C141577CC16}" type="slidenum">
               <a:t>&lt;#&gt;</a:t>
             </a:fld>
           </a:p>
@@ -2313,7 +2313,7 @@
         <p:spPr>
           <a:xfrm>
             <a:off x="457200" y="274680"/>
-            <a:ext cx="8228520" cy="1141920"/>
+            <a:ext cx="8228160" cy="1141560"/>
           </a:xfrm>
           <a:prstGeom prst="rect">
             <a:avLst/>
@@ -2353,7 +2353,7 @@
         <p:spPr>
           <a:xfrm>
             <a:off x="3124080" y="6356520"/>
-            <a:ext cx="2894400" cy="363960"/>
+            <a:ext cx="2894040" cy="363600"/>
           </a:xfrm>
           <a:prstGeom prst="rect">
             <a:avLst/>
@@ -2410,7 +2410,7 @@
         <p:spPr>
           <a:xfrm>
             <a:off x="6553080" y="6356520"/>
-            <a:ext cx="2132640" cy="363960"/>
+            <a:ext cx="2132280" cy="363600"/>
           </a:xfrm>
           <a:prstGeom prst="rect">
             <a:avLst/>
@@ -2445,7 +2445,7 @@
               </a:lnSpc>
               <a:buNone/>
             </a:pPr>
-            <a:fld id="{27250FE4-0608-486F-9584-2EB116D06C03}" type="slidenum">
+            <a:fld id="{77895FC5-2947-49EC-A1EE-04771A690E7D}" type="slidenum">
               <a:rPr b="0" lang="en-US" sz="1200" spc="-1" strike="noStrike">
                 <a:solidFill>
                   <a:srgbClr val="8b8b8b"/>
@@ -2473,7 +2473,7 @@
         <p:spPr>
           <a:xfrm>
             <a:off x="457200" y="6356520"/>
-            <a:ext cx="2132640" cy="363960"/>
+            <a:ext cx="2132280" cy="363600"/>
           </a:xfrm>
           <a:prstGeom prst="rect">
             <a:avLst/>
@@ -2740,7 +2740,7 @@
         <p:spPr>
           <a:xfrm>
             <a:off x="457200" y="0"/>
-            <a:ext cx="8228520" cy="1218240"/>
+            <a:ext cx="8228160" cy="1217880"/>
           </a:xfrm>
           <a:prstGeom prst="rect">
             <a:avLst/>
@@ -2788,7 +2788,7 @@
         <p:spPr>
           <a:xfrm>
             <a:off x="88920" y="762120"/>
-            <a:ext cx="8731080" cy="2009880"/>
+            <a:ext cx="8730720" cy="2009880"/>
           </a:xfrm>
           <a:prstGeom prst="rect">
             <a:avLst/>
@@ -2996,7 +2996,7 @@
               <a:buNone/>
             </a:pPr>
             <a:r>
-              <a:rPr b="0" lang="en-US" sz="1800" spc="-1" strike="noStrike">
+              <a:rPr b="1" i="1" lang="en-US" sz="1800" spc="-1" strike="noStrike">
                 <a:solidFill>
                   <a:srgbClr val="000000"/>
                 </a:solidFill>
@@ -3017,7 +3017,7 @@
               <a:buNone/>
             </a:pPr>
             <a:r>
-              <a:rPr b="0" lang="en-US" sz="1800" spc="-1" strike="noStrike">
+              <a:rPr b="1" i="1" lang="en-US" sz="1800" spc="-1" strike="noStrike">
                 <a:solidFill>
                   <a:srgbClr val="000000"/>
                 </a:solidFill>
@@ -3027,7 +3027,7 @@
               <a:t>  </a:t>
             </a:r>
             <a:r>
-              <a:rPr b="0" lang="en-US" sz="1800" spc="-1" strike="noStrike">
+              <a:rPr b="1" i="1" lang="en-US" sz="1800" spc="-1" strike="noStrike">
                 <a:solidFill>
                   <a:srgbClr val="000000"/>
                 </a:solidFill>
@@ -3192,7 +3192,7 @@
         <p:spPr>
           <a:xfrm>
             <a:off x="457200" y="228600"/>
-            <a:ext cx="8228520" cy="684720"/>
+            <a:ext cx="8228160" cy="684360"/>
           </a:xfrm>
           <a:prstGeom prst="rect">
             <a:avLst/>
@@ -3240,7 +3240,7 @@
         <p:spPr>
           <a:xfrm>
             <a:off x="762120" y="675720"/>
-            <a:ext cx="7337880" cy="3041640"/>
+            <a:ext cx="7337520" cy="3040920"/>
           </a:xfrm>
           <a:prstGeom prst="rect">
             <a:avLst/>
@@ -3300,7 +3300,7 @@
               <a:buNone/>
             </a:pPr>
             <a:r>
-              <a:rPr b="0" lang="en-US" sz="1600" spc="-1" strike="noStrike">
+              <a:rPr b="1" i="1" lang="en-US" sz="1600" spc="-1" strike="noStrike">
                 <a:solidFill>
                   <a:srgbClr val="000000"/>
                 </a:solidFill>
@@ -3321,7 +3321,7 @@
               <a:buNone/>
             </a:pPr>
             <a:r>
-              <a:rPr b="0" lang="en-US" sz="1600" spc="-1" strike="noStrike">
+              <a:rPr b="1" i="1" lang="en-US" sz="1600" spc="-1" strike="noStrike">
                 <a:solidFill>
                   <a:srgbClr val="000000"/>
                 </a:solidFill>
@@ -3331,7 +3331,7 @@
               <a:t>  </a:t>
             </a:r>
             <a:r>
-              <a:rPr b="0" lang="en-US" sz="1600" spc="-1" strike="noStrike">
+              <a:rPr b="1" i="1" lang="en-US" sz="1600" spc="-1" strike="noStrike">
                 <a:solidFill>
                   <a:srgbClr val="000000"/>
                 </a:solidFill>
@@ -3363,14 +3363,24 @@
               <a:buNone/>
             </a:pPr>
             <a:r>
-              <a:rPr b="0" lang="en-US" sz="1600" spc="-1" strike="noStrike">
-                <a:solidFill>
-                  <a:srgbClr val="000000"/>
-                </a:solidFill>
-                <a:latin typeface="Calibri"/>
-                <a:ea typeface="DejaVu Sans"/>
-              </a:rPr>
-              <a:t>p1 = MyClass()  # Object creation using constructor</a:t>
+              <a:rPr b="1" i="1" lang="en-US" sz="1600" spc="-1" strike="noStrike">
+                <a:solidFill>
+                  <a:srgbClr val="000000"/>
+                </a:solidFill>
+                <a:latin typeface="Calibri"/>
+                <a:ea typeface="DejaVu Sans"/>
+              </a:rPr>
+              <a:t>p1 = MyClass()</a:t>
+            </a:r>
+            <a:r>
+              <a:rPr b="0" lang="en-US" sz="1600" spc="-1" strike="noStrike">
+                <a:solidFill>
+                  <a:srgbClr val="000000"/>
+                </a:solidFill>
+                <a:latin typeface="Calibri"/>
+                <a:ea typeface="DejaVu Sans"/>
+              </a:rPr>
+              <a:t>  # Object creation using constructor</a:t>
             </a:r>
             <a:endParaRPr b="0" lang="en-IN" sz="1600" spc="-1" strike="noStrike">
               <a:latin typeface="Arial"/>
@@ -3416,7 +3426,7 @@
               <a:buNone/>
             </a:pPr>
             <a:r>
-              <a:rPr b="0" lang="en-US" sz="1600" spc="-1" strike="noStrike">
+              <a:rPr b="1" i="1" lang="en-US" sz="1600" spc="-1" strike="noStrike">
                 <a:solidFill>
                   <a:srgbClr val="000000"/>
                 </a:solidFill>
@@ -3455,7 +3465,7 @@
                 <a:latin typeface="Calibri"/>
                 <a:ea typeface="DejaVu Sans"/>
               </a:rPr>
-              <a:t>output :  5</a:t>
+              <a:t>Output :  5</a:t>
             </a:r>
             <a:endParaRPr b="0" lang="en-IN" sz="1600" spc="-1" strike="noStrike">
               <a:latin typeface="Arial"/>
@@ -3483,7 +3493,7 @@
         <p:spPr>
           <a:xfrm>
             <a:off x="762120" y="3733920"/>
-            <a:ext cx="6856920" cy="516240"/>
+            <a:ext cx="6856560" cy="516240"/>
           </a:xfrm>
           <a:prstGeom prst="rect">
             <a:avLst/>
@@ -3535,7 +3545,7 @@
         <p:spPr>
           <a:xfrm>
             <a:off x="360000" y="4307400"/>
-            <a:ext cx="8639640" cy="638280"/>
+            <a:ext cx="8639280" cy="638280"/>
           </a:xfrm>
           <a:prstGeom prst="rect">
             <a:avLst/>
@@ -3587,7 +3597,7 @@
         <p:spPr>
           <a:xfrm>
             <a:off x="540000" y="5189040"/>
-            <a:ext cx="5537880" cy="2190960"/>
+            <a:ext cx="5537520" cy="2191320"/>
           </a:xfrm>
           <a:prstGeom prst="rect">
             <a:avLst/>
@@ -3657,7 +3667,7 @@
               <a:buNone/>
             </a:pPr>
             <a:r>
-              <a:rPr b="0" lang="en-US" sz="1600" spc="-1" strike="noStrike">
+              <a:rPr b="1" i="1" lang="en-US" sz="1600" spc="-1" strike="noStrike">
                 <a:solidFill>
                   <a:srgbClr val="000000"/>
                 </a:solidFill>
@@ -3678,7 +3688,7 @@
               <a:buNone/>
             </a:pPr>
             <a:r>
-              <a:rPr b="0" lang="en-US" sz="1600" spc="-1" strike="noStrike">
+              <a:rPr b="1" i="1" lang="en-US" sz="1600" spc="-1" strike="noStrike">
                 <a:solidFill>
                   <a:srgbClr val="000000"/>
                 </a:solidFill>
@@ -3688,7 +3698,7 @@
               <a:t>    </a:t>
             </a:r>
             <a:r>
-              <a:rPr b="0" lang="en-US" sz="1600" spc="-1" strike="noStrike">
+              <a:rPr b="1" i="1" lang="en-US" sz="1600" spc="-1" strike="noStrike">
                 <a:solidFill>
                   <a:srgbClr val="000000"/>
                 </a:solidFill>
@@ -3790,7 +3800,7 @@
         <p:spPr>
           <a:xfrm>
             <a:off x="360000" y="117360"/>
-            <a:ext cx="8228520" cy="1141920"/>
+            <a:ext cx="8228160" cy="1141560"/>
           </a:xfrm>
           <a:prstGeom prst="rect">
             <a:avLst/>
@@ -3838,7 +3848,7 @@
         <p:spPr>
           <a:xfrm>
             <a:off x="0" y="878760"/>
-            <a:ext cx="9143640" cy="1063080"/>
+            <a:ext cx="9143280" cy="1063080"/>
           </a:xfrm>
           <a:prstGeom prst="rect">
             <a:avLst/>
@@ -4009,7 +4019,7 @@
         <p:spPr>
           <a:xfrm>
             <a:off x="540000" y="2514600"/>
-            <a:ext cx="8459640" cy="4956840"/>
+            <a:ext cx="8459280" cy="4956840"/>
           </a:xfrm>
           <a:prstGeom prst="rect">
             <a:avLst/>
@@ -4325,7 +4335,7 @@
         <p:spPr>
           <a:xfrm>
             <a:off x="180000" y="1417320"/>
-            <a:ext cx="8819280" cy="5720760"/>
+            <a:ext cx="8818920" cy="5720400"/>
           </a:xfrm>
           <a:prstGeom prst="rect">
             <a:avLst/>
@@ -4353,7 +4363,7 @@
               <a:buNone/>
             </a:pPr>
             <a:r>
-              <a:rPr b="0" lang="en-IN" sz="1800" spc="-1" strike="noStrike">
+              <a:rPr b="1" i="1" lang="en-IN" sz="1600" spc="-1" strike="noStrike">
                 <a:solidFill>
                   <a:srgbClr val="000000"/>
                 </a:solidFill>
@@ -4362,6 +4372,131 @@
               </a:rPr>
               <a:t>class Person:</a:t>
             </a:r>
+            <a:endParaRPr b="0" lang="en-IN" sz="1600" spc="-1" strike="noStrike">
+              <a:latin typeface="Arial"/>
+            </a:endParaRPr>
+          </a:p>
+          <a:p>
+            <a:pPr>
+              <a:lnSpc>
+                <a:spcPct val="100000"/>
+              </a:lnSpc>
+              <a:buNone/>
+            </a:pPr>
+            <a:r>
+              <a:rPr b="1" i="1" lang="en-IN" sz="1600" spc="-1" strike="noStrike">
+                <a:solidFill>
+                  <a:srgbClr val="000000"/>
+                </a:solidFill>
+                <a:latin typeface="Arial"/>
+                <a:ea typeface="DejaVu Sans"/>
+              </a:rPr>
+              <a:t>    </a:t>
+            </a:r>
+            <a:endParaRPr b="0" lang="en-IN" sz="1600" spc="-1" strike="noStrike">
+              <a:latin typeface="Arial"/>
+            </a:endParaRPr>
+          </a:p>
+          <a:p>
+            <a:pPr>
+              <a:lnSpc>
+                <a:spcPct val="100000"/>
+              </a:lnSpc>
+              <a:buNone/>
+            </a:pPr>
+            <a:r>
+              <a:rPr b="1" i="1" lang="en-IN" sz="1600" spc="-1" strike="noStrike">
+                <a:solidFill>
+                  <a:srgbClr val="000000"/>
+                </a:solidFill>
+                <a:latin typeface="Arial"/>
+                <a:ea typeface="DejaVu Sans"/>
+              </a:rPr>
+              <a:t>    </a:t>
+            </a:r>
+            <a:r>
+              <a:rPr b="1" i="1" lang="en-IN" sz="1600" spc="-1" strike="noStrike">
+                <a:solidFill>
+                  <a:srgbClr val="000000"/>
+                </a:solidFill>
+                <a:latin typeface="Arial"/>
+                <a:ea typeface="DejaVu Sans"/>
+              </a:rPr>
+              <a:t>def __init__(self, name, age):</a:t>
+            </a:r>
+            <a:endParaRPr b="0" lang="en-IN" sz="1600" spc="-1" strike="noStrike">
+              <a:latin typeface="Arial"/>
+            </a:endParaRPr>
+          </a:p>
+          <a:p>
+            <a:pPr>
+              <a:lnSpc>
+                <a:spcPct val="100000"/>
+              </a:lnSpc>
+              <a:buNone/>
+            </a:pPr>
+            <a:r>
+              <a:rPr b="1" i="1" lang="en-IN" sz="1600" spc="-1" strike="noStrike">
+                <a:solidFill>
+                  <a:srgbClr val="000000"/>
+                </a:solidFill>
+                <a:latin typeface="Arial"/>
+                <a:ea typeface="DejaVu Sans"/>
+              </a:rPr>
+              <a:t>        </a:t>
+            </a:r>
+            <a:r>
+              <a:rPr b="1" i="1" lang="en-IN" sz="1600" spc="-1" strike="noStrike">
+                <a:solidFill>
+                  <a:srgbClr val="000000"/>
+                </a:solidFill>
+                <a:latin typeface="Arial"/>
+                <a:ea typeface="DejaVu Sans"/>
+              </a:rPr>
+              <a:t>self.name = name</a:t>
+            </a:r>
+            <a:endParaRPr b="0" lang="en-IN" sz="1600" spc="-1" strike="noStrike">
+              <a:latin typeface="Arial"/>
+            </a:endParaRPr>
+          </a:p>
+          <a:p>
+            <a:pPr>
+              <a:lnSpc>
+                <a:spcPct val="100000"/>
+              </a:lnSpc>
+              <a:buNone/>
+            </a:pPr>
+            <a:r>
+              <a:rPr b="1" i="1" lang="en-IN" sz="1600" spc="-1" strike="noStrike">
+                <a:solidFill>
+                  <a:srgbClr val="000000"/>
+                </a:solidFill>
+                <a:latin typeface="Arial"/>
+                <a:ea typeface="DejaVu Sans"/>
+              </a:rPr>
+              <a:t>        </a:t>
+            </a:r>
+            <a:r>
+              <a:rPr b="1" i="1" lang="en-IN" sz="1600" spc="-1" strike="noStrike">
+                <a:solidFill>
+                  <a:srgbClr val="000000"/>
+                </a:solidFill>
+                <a:latin typeface="Arial"/>
+                <a:ea typeface="DejaVu Sans"/>
+              </a:rPr>
+              <a:t>self.age = age</a:t>
+            </a:r>
+            <a:endParaRPr b="0" lang="en-IN" sz="1600" spc="-1" strike="noStrike">
+              <a:latin typeface="Arial"/>
+            </a:endParaRPr>
+          </a:p>
+          <a:p>
+            <a:pPr>
+              <a:lnSpc>
+                <a:spcPct val="100000"/>
+              </a:lnSpc>
+              <a:buNone/>
+            </a:pPr>
             <a:endParaRPr b="0" lang="en-IN" sz="1800" spc="-1" strike="noStrike">
               <a:latin typeface="Arial"/>
             </a:endParaRPr>
@@ -4373,26 +4508,91 @@
               </a:lnSpc>
               <a:buNone/>
             </a:pPr>
-            <a:r>
-              <a:rPr b="0" lang="en-IN" sz="1800" spc="-1" strike="noStrike">
+            <a:endParaRPr b="0" lang="en-IN" sz="1800" spc="-1" strike="noStrike">
+              <a:latin typeface="Arial"/>
+            </a:endParaRPr>
+          </a:p>
+          <a:p>
+            <a:pPr>
+              <a:lnSpc>
+                <a:spcPct val="100000"/>
+              </a:lnSpc>
+              <a:buNone/>
+            </a:pPr>
+            <a:r>
+              <a:rPr b="0" lang="en-IN" sz="1600" spc="-1" strike="noStrike">
                 <a:solidFill>
                   <a:srgbClr val="000000"/>
                 </a:solidFill>
                 <a:latin typeface="Arial"/>
                 <a:ea typeface="DejaVu Sans"/>
               </a:rPr>
-              <a:t>    </a:t>
-            </a:r>
-            <a:r>
-              <a:rPr b="0" lang="en-IN" sz="1800" spc="-1" strike="noStrike">
+              <a:t>p1 = Person("John", 36)</a:t>
+            </a:r>
+            <a:endParaRPr b="0" lang="en-IN" sz="1600" spc="-1" strike="noStrike">
+              <a:latin typeface="Arial"/>
+            </a:endParaRPr>
+          </a:p>
+          <a:p>
+            <a:pPr>
+              <a:lnSpc>
+                <a:spcPct val="100000"/>
+              </a:lnSpc>
+              <a:buNone/>
+            </a:pPr>
+            <a:endParaRPr b="0" lang="en-IN" sz="1800" spc="-1" strike="noStrike">
+              <a:latin typeface="Arial"/>
+            </a:endParaRPr>
+          </a:p>
+          <a:p>
+            <a:pPr>
+              <a:lnSpc>
+                <a:spcPct val="100000"/>
+              </a:lnSpc>
+              <a:buNone/>
+            </a:pPr>
+            <a:r>
+              <a:rPr b="0" lang="en-IN" sz="1600" spc="-1" strike="noStrike">
                 <a:solidFill>
                   <a:srgbClr val="000000"/>
                 </a:solidFill>
                 <a:latin typeface="Arial"/>
                 <a:ea typeface="DejaVu Sans"/>
               </a:rPr>
-              <a:t>creator = 'Ashish'</a:t>
-            </a:r>
+              <a:t>print(p1.name)</a:t>
+            </a:r>
+            <a:endParaRPr b="0" lang="en-IN" sz="1600" spc="-1" strike="noStrike">
+              <a:latin typeface="Arial"/>
+            </a:endParaRPr>
+          </a:p>
+          <a:p>
+            <a:pPr>
+              <a:lnSpc>
+                <a:spcPct val="100000"/>
+              </a:lnSpc>
+              <a:buNone/>
+            </a:pPr>
+            <a:r>
+              <a:rPr b="0" lang="en-IN" sz="1600" spc="-1" strike="noStrike">
+                <a:solidFill>
+                  <a:srgbClr val="000000"/>
+                </a:solidFill>
+                <a:latin typeface="Arial"/>
+                <a:ea typeface="DejaVu Sans"/>
+              </a:rPr>
+              <a:t>print(p1.age) </a:t>
+            </a:r>
+            <a:endParaRPr b="0" lang="en-IN" sz="1600" spc="-1" strike="noStrike">
+              <a:latin typeface="Arial"/>
+            </a:endParaRPr>
+          </a:p>
+          <a:p>
+            <a:pPr>
+              <a:lnSpc>
+                <a:spcPct val="100000"/>
+              </a:lnSpc>
+              <a:buNone/>
+            </a:pPr>
             <a:endParaRPr b="0" lang="en-IN" sz="1800" spc="-1" strike="noStrike">
               <a:latin typeface="Arial"/>
             </a:endParaRPr>
@@ -4405,15 +4605,26 @@
               <a:buNone/>
             </a:pPr>
             <a:r>
-              <a:rPr b="0" lang="en-IN" sz="1800" spc="-1" strike="noStrike">
+              <a:rPr b="0" lang="en-IN" sz="1600" spc="-1" strike="noStrike">
                 <a:solidFill>
                   <a:srgbClr val="000000"/>
                 </a:solidFill>
                 <a:latin typeface="Arial"/>
                 <a:ea typeface="DejaVu Sans"/>
               </a:rPr>
-              <a:t>    </a:t>
-            </a:r>
+              <a:t>Simply stated, self refers to an instance itself. </a:t>
+            </a:r>
+            <a:endParaRPr b="0" lang="en-IN" sz="1600" spc="-1" strike="noStrike">
+              <a:latin typeface="Arial"/>
+            </a:endParaRPr>
+          </a:p>
+          <a:p>
+            <a:pPr>
+              <a:lnSpc>
+                <a:spcPct val="100000"/>
+              </a:lnSpc>
+              <a:buNone/>
+            </a:pPr>
             <a:endParaRPr b="0" lang="en-IN" sz="1800" spc="-1" strike="noStrike">
               <a:latin typeface="Arial"/>
             </a:endParaRPr>
@@ -4426,280 +4637,48 @@
               <a:buNone/>
             </a:pPr>
             <a:r>
-              <a:rPr b="0" lang="en-IN" sz="1800" spc="-1" strike="noStrike">
+              <a:rPr b="0" lang="en-IN" sz="1600" spc="-1" strike="noStrike">
                 <a:solidFill>
                   <a:srgbClr val="000000"/>
                 </a:solidFill>
                 <a:latin typeface="Arial"/>
                 <a:ea typeface="DejaVu Sans"/>
               </a:rPr>
-              <a:t>    </a:t>
-            </a:r>
-            <a:r>
-              <a:rPr b="0" lang="en-IN" sz="1800" spc="-1" strike="noStrike">
+              <a:t>For now, just know that when we want to refer to instance variables in the class, we need to add self in front of the variable names. </a:t>
+            </a:r>
+            <a:endParaRPr b="0" lang="en-IN" sz="1600" spc="-1" strike="noStrike">
+              <a:latin typeface="Arial"/>
+            </a:endParaRPr>
+          </a:p>
+          <a:p>
+            <a:pPr>
+              <a:lnSpc>
+                <a:spcPct val="100000"/>
+              </a:lnSpc>
+              <a:buNone/>
+            </a:pPr>
+            <a:endParaRPr b="0" lang="en-IN" sz="1800" spc="-1" strike="noStrike">
+              <a:latin typeface="Arial"/>
+            </a:endParaRPr>
+          </a:p>
+          <a:p>
+            <a:pPr>
+              <a:lnSpc>
+                <a:spcPct val="100000"/>
+              </a:lnSpc>
+              <a:buNone/>
+            </a:pPr>
+            <a:r>
+              <a:rPr b="0" lang="en-IN" sz="1600" spc="-1" strike="noStrike">
                 <a:solidFill>
                   <a:srgbClr val="000000"/>
                 </a:solidFill>
                 <a:latin typeface="Arial"/>
                 <a:ea typeface="DejaVu Sans"/>
               </a:rPr>
-              <a:t>def __init__(self, name, age):</a:t>
-            </a:r>
-            <a:endParaRPr b="0" lang="en-IN" sz="1800" spc="-1" strike="noStrike">
-              <a:latin typeface="Arial"/>
-            </a:endParaRPr>
-          </a:p>
-          <a:p>
-            <a:pPr>
-              <a:lnSpc>
-                <a:spcPct val="100000"/>
-              </a:lnSpc>
-              <a:buNone/>
-            </a:pPr>
-            <a:r>
-              <a:rPr b="0" lang="en-IN" sz="1800" spc="-1" strike="noStrike">
-                <a:solidFill>
-                  <a:srgbClr val="000000"/>
-                </a:solidFill>
-                <a:latin typeface="Arial"/>
-                <a:ea typeface="DejaVu Sans"/>
-              </a:rPr>
-              <a:t>        </a:t>
-            </a:r>
-            <a:r>
-              <a:rPr b="0" lang="en-IN" sz="1800" spc="-1" strike="noStrike">
-                <a:solidFill>
-                  <a:srgbClr val="000000"/>
-                </a:solidFill>
-                <a:latin typeface="Arial"/>
-                <a:ea typeface="DejaVu Sans"/>
-              </a:rPr>
-              <a:t>self.name = name</a:t>
-            </a:r>
-            <a:endParaRPr b="0" lang="en-IN" sz="1800" spc="-1" strike="noStrike">
-              <a:latin typeface="Arial"/>
-            </a:endParaRPr>
-          </a:p>
-          <a:p>
-            <a:pPr>
-              <a:lnSpc>
-                <a:spcPct val="100000"/>
-              </a:lnSpc>
-              <a:buNone/>
-            </a:pPr>
-            <a:r>
-              <a:rPr b="0" lang="en-IN" sz="1800" spc="-1" strike="noStrike">
-                <a:solidFill>
-                  <a:srgbClr val="000000"/>
-                </a:solidFill>
-                <a:latin typeface="Arial"/>
-                <a:ea typeface="DejaVu Sans"/>
-              </a:rPr>
-              <a:t>        </a:t>
-            </a:r>
-            <a:r>
-              <a:rPr b="0" lang="en-IN" sz="1800" spc="-1" strike="noStrike">
-                <a:solidFill>
-                  <a:srgbClr val="000000"/>
-                </a:solidFill>
-                <a:latin typeface="Arial"/>
-                <a:ea typeface="DejaVu Sans"/>
-              </a:rPr>
-              <a:t>self.age = age</a:t>
-            </a:r>
-            <a:endParaRPr b="0" lang="en-IN" sz="1800" spc="-1" strike="noStrike">
-              <a:latin typeface="Arial"/>
-            </a:endParaRPr>
-          </a:p>
-          <a:p>
-            <a:pPr>
-              <a:lnSpc>
-                <a:spcPct val="100000"/>
-              </a:lnSpc>
-              <a:buNone/>
-            </a:pPr>
-            <a:endParaRPr b="0" lang="en-IN" sz="1800" spc="-1" strike="noStrike">
-              <a:latin typeface="Arial"/>
-            </a:endParaRPr>
-          </a:p>
-          <a:p>
-            <a:pPr>
-              <a:lnSpc>
-                <a:spcPct val="100000"/>
-              </a:lnSpc>
-              <a:buNone/>
-            </a:pPr>
-            <a:r>
-              <a:rPr b="0" lang="en-IN" sz="1800" spc="-1" strike="noStrike">
-                <a:solidFill>
-                  <a:srgbClr val="000000"/>
-                </a:solidFill>
-                <a:latin typeface="Arial"/>
-                <a:ea typeface="DejaVu Sans"/>
-              </a:rPr>
-              <a:t>p1 = Person("John", 36)</a:t>
-            </a:r>
-            <a:endParaRPr b="0" lang="en-IN" sz="1800" spc="-1" strike="noStrike">
-              <a:latin typeface="Arial"/>
-            </a:endParaRPr>
-          </a:p>
-          <a:p>
-            <a:pPr>
-              <a:lnSpc>
-                <a:spcPct val="100000"/>
-              </a:lnSpc>
-              <a:buNone/>
-            </a:pPr>
-            <a:endParaRPr b="0" lang="en-IN" sz="1800" spc="-1" strike="noStrike">
-              <a:latin typeface="Arial"/>
-            </a:endParaRPr>
-          </a:p>
-          <a:p>
-            <a:pPr>
-              <a:lnSpc>
-                <a:spcPct val="100000"/>
-              </a:lnSpc>
-              <a:buNone/>
-            </a:pPr>
-            <a:endParaRPr b="0" lang="en-IN" sz="1800" spc="-1" strike="noStrike">
-              <a:latin typeface="Arial"/>
-            </a:endParaRPr>
-          </a:p>
-          <a:p>
-            <a:pPr>
-              <a:lnSpc>
-                <a:spcPct val="100000"/>
-              </a:lnSpc>
-              <a:buNone/>
-            </a:pPr>
-            <a:r>
-              <a:rPr b="0" lang="en-IN" sz="1800" spc="-1" strike="noStrike">
-                <a:solidFill>
-                  <a:srgbClr val="000000"/>
-                </a:solidFill>
-                <a:latin typeface="Arial"/>
-                <a:ea typeface="DejaVu Sans"/>
-              </a:rPr>
-              <a:t>print(p1.name)</a:t>
-            </a:r>
-            <a:endParaRPr b="0" lang="en-IN" sz="1800" spc="-1" strike="noStrike">
-              <a:latin typeface="Arial"/>
-            </a:endParaRPr>
-          </a:p>
-          <a:p>
-            <a:pPr>
-              <a:lnSpc>
-                <a:spcPct val="100000"/>
-              </a:lnSpc>
-              <a:buNone/>
-            </a:pPr>
-            <a:r>
-              <a:rPr b="0" lang="en-IN" sz="1800" spc="-1" strike="noStrike">
-                <a:solidFill>
-                  <a:srgbClr val="000000"/>
-                </a:solidFill>
-                <a:latin typeface="Arial"/>
-                <a:ea typeface="DejaVu Sans"/>
-              </a:rPr>
-              <a:t>print(p1.age) </a:t>
-            </a:r>
-            <a:endParaRPr b="0" lang="en-IN" sz="1800" spc="-1" strike="noStrike">
-              <a:latin typeface="Arial"/>
-            </a:endParaRPr>
-          </a:p>
-          <a:p>
-            <a:pPr>
-              <a:lnSpc>
-                <a:spcPct val="100000"/>
-              </a:lnSpc>
-              <a:buNone/>
-            </a:pPr>
-            <a:endParaRPr b="0" lang="en-IN" sz="1800" spc="-1" strike="noStrike">
-              <a:latin typeface="Arial"/>
-            </a:endParaRPr>
-          </a:p>
-          <a:p>
-            <a:pPr>
-              <a:lnSpc>
-                <a:spcPct val="100000"/>
-              </a:lnSpc>
-              <a:buNone/>
-            </a:pPr>
-            <a:r>
-              <a:rPr b="0" lang="en-IN" sz="1800" spc="-1" strike="noStrike">
-                <a:solidFill>
-                  <a:srgbClr val="000000"/>
-                </a:solidFill>
-                <a:latin typeface="Arial"/>
-                <a:ea typeface="DejaVu Sans"/>
-              </a:rPr>
-              <a:t>Simply stated, self refers to an instance itself. </a:t>
-            </a:r>
-            <a:endParaRPr b="0" lang="en-IN" sz="1800" spc="-1" strike="noStrike">
-              <a:latin typeface="Arial"/>
-            </a:endParaRPr>
-          </a:p>
-          <a:p>
-            <a:pPr>
-              <a:lnSpc>
-                <a:spcPct val="100000"/>
-              </a:lnSpc>
-              <a:buNone/>
-            </a:pPr>
-            <a:endParaRPr b="0" lang="en-IN" sz="1800" spc="-1" strike="noStrike">
-              <a:latin typeface="Arial"/>
-            </a:endParaRPr>
-          </a:p>
-          <a:p>
-            <a:pPr>
-              <a:lnSpc>
-                <a:spcPct val="100000"/>
-              </a:lnSpc>
-              <a:buNone/>
-            </a:pPr>
-            <a:r>
-              <a:rPr b="0" lang="en-IN" sz="1800" spc="-1" strike="noStrike">
-                <a:solidFill>
-                  <a:srgbClr val="000000"/>
-                </a:solidFill>
-                <a:latin typeface="Arial"/>
-                <a:ea typeface="DejaVu Sans"/>
-              </a:rPr>
-              <a:t>For now, just know that when we want to refer to instance variables in the class, we need to add self in front of the variable names. </a:t>
-            </a:r>
-            <a:endParaRPr b="0" lang="en-IN" sz="1800" spc="-1" strike="noStrike">
-              <a:latin typeface="Arial"/>
-            </a:endParaRPr>
-          </a:p>
-          <a:p>
-            <a:pPr>
-              <a:lnSpc>
-                <a:spcPct val="100000"/>
-              </a:lnSpc>
-              <a:buNone/>
-            </a:pPr>
-            <a:endParaRPr b="0" lang="en-IN" sz="1800" spc="-1" strike="noStrike">
-              <a:latin typeface="Arial"/>
-            </a:endParaRPr>
-          </a:p>
-          <a:p>
-            <a:pPr>
-              <a:lnSpc>
-                <a:spcPct val="100000"/>
-              </a:lnSpc>
-              <a:buNone/>
-            </a:pPr>
-            <a:r>
-              <a:rPr b="0" lang="en-IN" sz="1800" spc="-1" strike="noStrike">
-                <a:solidFill>
-                  <a:srgbClr val="000000"/>
-                </a:solidFill>
-                <a:latin typeface="Arial"/>
-                <a:ea typeface="DejaVu Sans"/>
-              </a:rPr>
               <a:t>In addition, most methods in a class have self as the first parameter.</a:t>
             </a:r>
-            <a:endParaRPr b="0" lang="en-IN" sz="1800" spc="-1" strike="noStrike">
+            <a:endParaRPr b="0" lang="en-IN" sz="1600" spc="-1" strike="noStrike">
               <a:latin typeface="Arial"/>
             </a:endParaRPr>
           </a:p>
@@ -4708,13 +4687,13 @@
       <p:sp>
         <p:nvSpPr>
           <p:cNvPr id="53" name="PlaceHolder 2"/>
-          <p:cNvSpPr txBox="1"/>
+          <p:cNvSpPr/>
           <p:nvPr/>
         </p:nvSpPr>
         <p:spPr>
           <a:xfrm>
             <a:off x="180000" y="0"/>
-            <a:ext cx="8228520" cy="1141920"/>
+            <a:ext cx="8228160" cy="1141560"/>
           </a:xfrm>
           <a:prstGeom prst="rect">
             <a:avLst/>
@@ -4724,6 +4703,12 @@
             <a:noFill/>
           </a:ln>
         </p:spPr>
+        <p:style>
+          <a:lnRef idx="0"/>
+          <a:fillRef idx="0"/>
+          <a:effectRef idx="0"/>
+          <a:fontRef idx="minor"/>
+        </p:style>
         <p:txBody>
           <a:bodyPr lIns="0" rIns="0" tIns="0" bIns="0" anchor="ctr">
             <a:normAutofit/>
@@ -4793,7 +4778,7 @@
         <p:spPr>
           <a:xfrm>
             <a:off x="97200" y="72000"/>
-            <a:ext cx="8228520" cy="867240"/>
+            <a:ext cx="8228160" cy="866880"/>
           </a:xfrm>
           <a:prstGeom prst="rect">
             <a:avLst/>
@@ -4838,7 +4823,7 @@
         <p:spPr>
           <a:xfrm>
             <a:off x="380880" y="1066680"/>
-            <a:ext cx="8228520" cy="638280"/>
+            <a:ext cx="8228160" cy="638280"/>
           </a:xfrm>
           <a:prstGeom prst="rect">
             <a:avLst/>
@@ -4925,7 +4910,7 @@
         <p:spPr>
           <a:xfrm>
             <a:off x="180000" y="1600200"/>
-            <a:ext cx="8819640" cy="5262120"/>
+            <a:ext cx="8819280" cy="5262120"/>
           </a:xfrm>
           <a:prstGeom prst="rect">
             <a:avLst/>
@@ -5313,7 +5298,7 @@
         <p:spPr>
           <a:xfrm>
             <a:off x="457200" y="274680"/>
-            <a:ext cx="8228520" cy="1141920"/>
+            <a:ext cx="8228160" cy="1141560"/>
           </a:xfrm>
           <a:prstGeom prst="rect">
             <a:avLst/>
@@ -5355,7 +5340,7 @@
         <p:spPr>
           <a:xfrm>
             <a:off x="360000" y="1737720"/>
-            <a:ext cx="7379640" cy="601920"/>
+            <a:ext cx="7379280" cy="601560"/>
           </a:xfrm>
           <a:prstGeom prst="rect">
             <a:avLst/>
@@ -5384,7 +5369,11 @@
             </a:pPr>
             <a:r>
               <a:rPr b="0" lang="en-IN" sz="1800" spc="-1" strike="noStrike">
+                <a:solidFill>
+                  <a:srgbClr val="000000"/>
+                </a:solidFill>
                 <a:latin typeface="Arial"/>
+                <a:ea typeface="DejaVu Sans"/>
               </a:rPr>
               <a:t>Function is usually understood as a standalone block of code.</a:t>
             </a:r>
@@ -5403,7 +5392,7 @@
         <p:spPr>
           <a:xfrm>
             <a:off x="540000" y="2340000"/>
-            <a:ext cx="6479640" cy="2137680"/>
+            <a:ext cx="6479280" cy="2137320"/>
           </a:xfrm>
           <a:prstGeom prst="rect">
             <a:avLst/>
@@ -5432,7 +5421,11 @@
             </a:pPr>
             <a:r>
               <a:rPr b="0" lang="en-IN" sz="1800" spc="-1" strike="noStrike">
+                <a:solidFill>
+                  <a:srgbClr val="000000"/>
+                </a:solidFill>
                 <a:latin typeface="Arial"/>
+                <a:ea typeface="DejaVu Sans"/>
               </a:rPr>
               <a:t>&gt;&gt;&gt; m = lambda a, b: a * b</a:t>
             </a:r>
@@ -5449,7 +5442,11 @@
             </a:pPr>
             <a:r>
               <a:rPr b="0" lang="en-IN" sz="1800" spc="-1" strike="noStrike">
+                <a:solidFill>
+                  <a:srgbClr val="000000"/>
+                </a:solidFill>
                 <a:latin typeface="Arial"/>
+                <a:ea typeface="DejaVu Sans"/>
               </a:rPr>
               <a:t>&gt;&gt;&gt; m(5, 5)</a:t>
             </a:r>
@@ -5466,7 +5463,11 @@
             </a:pPr>
             <a:r>
               <a:rPr b="0" lang="en-IN" sz="1800" spc="-1" strike="noStrike">
+                <a:solidFill>
+                  <a:srgbClr val="000000"/>
+                </a:solidFill>
                 <a:latin typeface="Arial"/>
+                <a:ea typeface="DejaVu Sans"/>
               </a:rPr>
               <a:t>25</a:t>
             </a:r>
@@ -5483,7 +5484,11 @@
             </a:pPr>
             <a:r>
               <a:rPr b="0" lang="en-IN" sz="1800" spc="-1" strike="noStrike">
+                <a:solidFill>
+                  <a:srgbClr val="000000"/>
+                </a:solidFill>
                 <a:latin typeface="Arial"/>
+                <a:ea typeface="DejaVu Sans"/>
               </a:rPr>
               <a:t>&gt;&gt;&gt; m</a:t>
             </a:r>
@@ -5500,7 +5505,11 @@
             </a:pPr>
             <a:r>
               <a:rPr b="0" lang="en-IN" sz="1800" spc="-1" strike="noStrike">
+                <a:solidFill>
+                  <a:srgbClr val="000000"/>
+                </a:solidFill>
                 <a:latin typeface="Arial"/>
+                <a:ea typeface="DejaVu Sans"/>
               </a:rPr>
               <a:t>&lt;function &lt;lambda&gt; at 0x7f69cd84d280&gt;</a:t>
             </a:r>
@@ -5517,7 +5526,11 @@
             </a:pPr>
             <a:r>
               <a:rPr b="0" lang="en-IN" sz="1800" spc="-1" strike="noStrike">
+                <a:solidFill>
+                  <a:srgbClr val="000000"/>
+                </a:solidFill>
                 <a:latin typeface="Arial"/>
+                <a:ea typeface="DejaVu Sans"/>
               </a:rPr>
               <a:t>&gt;&gt;&gt; </a:t>
             </a:r>
@@ -5558,7 +5571,7 @@
         <p:spPr>
           <a:xfrm>
             <a:off x="360000" y="4077720"/>
-            <a:ext cx="7919640" cy="601920"/>
+            <a:ext cx="7919280" cy="601560"/>
           </a:xfrm>
           <a:prstGeom prst="rect">
             <a:avLst/>
@@ -5587,7 +5600,11 @@
             </a:pPr>
             <a:r>
               <a:rPr b="0" lang="en-IN" sz="1800" spc="-1" strike="noStrike">
+                <a:solidFill>
+                  <a:srgbClr val="000000"/>
+                </a:solidFill>
                 <a:latin typeface="Arial"/>
+                <a:ea typeface="DejaVu Sans"/>
               </a:rPr>
               <a:t>Method is understood as a funtion associated with a class or it’s object.</a:t>
             </a:r>
@@ -5636,7 +5653,7 @@
         <p:spPr>
           <a:xfrm>
             <a:off x="360000" y="360000"/>
-            <a:ext cx="8639640" cy="4441320"/>
+            <a:ext cx="8639280" cy="4440960"/>
           </a:xfrm>
           <a:prstGeom prst="rect">
             <a:avLst/>
@@ -5665,7 +5682,11 @@
             </a:pPr>
             <a:r>
               <a:rPr b="0" lang="en-IN" sz="1800" spc="-1" strike="noStrike">
+                <a:solidFill>
+                  <a:srgbClr val="000000"/>
+                </a:solidFill>
                 <a:latin typeface="Arial"/>
+                <a:ea typeface="DejaVu Sans"/>
               </a:rPr>
               <a:t>class Calc:</a:t>
             </a:r>
@@ -5682,13 +5703,21 @@
             </a:pPr>
             <a:r>
               <a:rPr b="0" lang="en-IN" sz="1800" spc="-1" strike="noStrike">
+                <a:solidFill>
+                  <a:srgbClr val="000000"/>
+                </a:solidFill>
                 <a:latin typeface="Arial"/>
+                <a:ea typeface="DejaVu Sans"/>
               </a:rPr>
               <a:t>    </a:t>
             </a:r>
             <a:r>
               <a:rPr b="0" lang="en-IN" sz="1800" spc="-1" strike="noStrike">
+                <a:solidFill>
+                  <a:srgbClr val="000000"/>
+                </a:solidFill>
                 <a:latin typeface="Arial"/>
+                <a:ea typeface="DejaVu Sans"/>
               </a:rPr>
               <a:t>def __init__(self, a, b):</a:t>
             </a:r>
@@ -5705,13 +5734,21 @@
             </a:pPr>
             <a:r>
               <a:rPr b="0" lang="en-IN" sz="1800" spc="-1" strike="noStrike">
+                <a:solidFill>
+                  <a:srgbClr val="000000"/>
+                </a:solidFill>
                 <a:latin typeface="Arial"/>
+                <a:ea typeface="DejaVu Sans"/>
               </a:rPr>
               <a:t>        </a:t>
             </a:r>
             <a:r>
               <a:rPr b="0" lang="en-IN" sz="1800" spc="-1" strike="noStrike">
+                <a:solidFill>
+                  <a:srgbClr val="000000"/>
+                </a:solidFill>
                 <a:latin typeface="Arial"/>
+                <a:ea typeface="DejaVu Sans"/>
               </a:rPr>
               <a:t>self.a = a</a:t>
             </a:r>
@@ -5728,13 +5765,21 @@
             </a:pPr>
             <a:r>
               <a:rPr b="0" lang="en-IN" sz="1800" spc="-1" strike="noStrike">
+                <a:solidFill>
+                  <a:srgbClr val="000000"/>
+                </a:solidFill>
                 <a:latin typeface="Arial"/>
+                <a:ea typeface="DejaVu Sans"/>
               </a:rPr>
               <a:t>        </a:t>
             </a:r>
             <a:r>
               <a:rPr b="0" lang="en-IN" sz="1800" spc="-1" strike="noStrike">
+                <a:solidFill>
+                  <a:srgbClr val="000000"/>
+                </a:solidFill>
                 <a:latin typeface="Arial"/>
+                <a:ea typeface="DejaVu Sans"/>
               </a:rPr>
               <a:t>self.b = b</a:t>
             </a:r>
@@ -5751,7 +5796,11 @@
             </a:pPr>
             <a:r>
               <a:rPr b="0" lang="en-IN" sz="1800" spc="-1" strike="noStrike">
+                <a:solidFill>
+                  <a:srgbClr val="000000"/>
+                </a:solidFill>
                 <a:latin typeface="Arial"/>
+                <a:ea typeface="DejaVu Sans"/>
               </a:rPr>
               <a:t>        </a:t>
             </a:r>
@@ -5768,13 +5817,21 @@
             </a:pPr>
             <a:r>
               <a:rPr b="0" lang="en-IN" sz="1800" spc="-1" strike="noStrike">
+                <a:solidFill>
+                  <a:srgbClr val="000000"/>
+                </a:solidFill>
                 <a:latin typeface="Arial"/>
+                <a:ea typeface="DejaVu Sans"/>
               </a:rPr>
               <a:t>    </a:t>
             </a:r>
             <a:r>
               <a:rPr b="0" lang="en-IN" sz="1800" spc="-1" strike="noStrike">
+                <a:solidFill>
+                  <a:srgbClr val="000000"/>
+                </a:solidFill>
                 <a:latin typeface="Arial"/>
+                <a:ea typeface="DejaVu Sans"/>
               </a:rPr>
               <a:t>def add(self):</a:t>
             </a:r>
@@ -5791,13 +5848,21 @@
             </a:pPr>
             <a:r>
               <a:rPr b="0" lang="en-IN" sz="1800" spc="-1" strike="noStrike">
+                <a:solidFill>
+                  <a:srgbClr val="000000"/>
+                </a:solidFill>
                 <a:latin typeface="Arial"/>
+                <a:ea typeface="DejaVu Sans"/>
               </a:rPr>
               <a:t>        </a:t>
             </a:r>
             <a:r>
               <a:rPr b="0" lang="en-IN" sz="1800" spc="-1" strike="noStrike">
+                <a:solidFill>
+                  <a:srgbClr val="000000"/>
+                </a:solidFill>
                 <a:latin typeface="Arial"/>
+                <a:ea typeface="DejaVu Sans"/>
               </a:rPr>
               <a:t>return self.a + self.b</a:t>
             </a:r>
@@ -5814,7 +5879,11 @@
             </a:pPr>
             <a:r>
               <a:rPr b="0" lang="en-IN" sz="1800" spc="-1" strike="noStrike">
+                <a:solidFill>
+                  <a:srgbClr val="000000"/>
+                </a:solidFill>
                 <a:latin typeface="Arial"/>
+                <a:ea typeface="DejaVu Sans"/>
               </a:rPr>
               <a:t>    </a:t>
             </a:r>
@@ -5831,13 +5900,21 @@
             </a:pPr>
             <a:r>
               <a:rPr b="0" lang="en-IN" sz="1800" spc="-1" strike="noStrike">
+                <a:solidFill>
+                  <a:srgbClr val="000000"/>
+                </a:solidFill>
                 <a:latin typeface="Arial"/>
+                <a:ea typeface="DejaVu Sans"/>
               </a:rPr>
               <a:t>    </a:t>
             </a:r>
             <a:r>
               <a:rPr b="0" lang="en-IN" sz="1800" spc="-1" strike="noStrike">
+                <a:solidFill>
+                  <a:srgbClr val="000000"/>
+                </a:solidFill>
                 <a:latin typeface="Arial"/>
+                <a:ea typeface="DejaVu Sans"/>
               </a:rPr>
               <a:t>def mul(self):</a:t>
             </a:r>
@@ -5854,13 +5931,21 @@
             </a:pPr>
             <a:r>
               <a:rPr b="0" lang="en-IN" sz="1800" spc="-1" strike="noStrike">
+                <a:solidFill>
+                  <a:srgbClr val="000000"/>
+                </a:solidFill>
                 <a:latin typeface="Arial"/>
+                <a:ea typeface="DejaVu Sans"/>
               </a:rPr>
               <a:t>        </a:t>
             </a:r>
             <a:r>
               <a:rPr b="0" lang="en-IN" sz="1800" spc="-1" strike="noStrike">
+                <a:solidFill>
+                  <a:srgbClr val="000000"/>
+                </a:solidFill>
                 <a:latin typeface="Arial"/>
+                <a:ea typeface="DejaVu Sans"/>
               </a:rPr>
               <a:t>return self.a * self.b</a:t>
             </a:r>
@@ -5877,7 +5962,11 @@
             </a:pPr>
             <a:r>
               <a:rPr b="0" lang="en-IN" sz="1800" spc="-1" strike="noStrike">
+                <a:solidFill>
+                  <a:srgbClr val="000000"/>
+                </a:solidFill>
                 <a:latin typeface="Arial"/>
+                <a:ea typeface="DejaVu Sans"/>
               </a:rPr>
               <a:t>    </a:t>
             </a:r>
@@ -5894,13 +5983,21 @@
             </a:pPr>
             <a:r>
               <a:rPr b="0" lang="en-IN" sz="1800" spc="-1" strike="noStrike">
+                <a:solidFill>
+                  <a:srgbClr val="000000"/>
+                </a:solidFill>
                 <a:latin typeface="Arial"/>
+                <a:ea typeface="DejaVu Sans"/>
               </a:rPr>
               <a:t>    </a:t>
             </a:r>
             <a:r>
               <a:rPr b="0" lang="en-IN" sz="1800" spc="-1" strike="noStrike">
+                <a:solidFill>
+                  <a:srgbClr val="000000"/>
+                </a:solidFill>
                 <a:latin typeface="Arial"/>
+                <a:ea typeface="DejaVu Sans"/>
               </a:rPr>
               <a:t>def sub(self):</a:t>
             </a:r>
@@ -5917,13 +6014,21 @@
             </a:pPr>
             <a:r>
               <a:rPr b="0" lang="en-IN" sz="1800" spc="-1" strike="noStrike">
+                <a:solidFill>
+                  <a:srgbClr val="000000"/>
+                </a:solidFill>
                 <a:latin typeface="Arial"/>
+                <a:ea typeface="DejaVu Sans"/>
               </a:rPr>
               <a:t>        </a:t>
             </a:r>
             <a:r>
               <a:rPr b="0" lang="en-IN" sz="1800" spc="-1" strike="noStrike">
+                <a:solidFill>
+                  <a:srgbClr val="000000"/>
+                </a:solidFill>
                 <a:latin typeface="Arial"/>
+                <a:ea typeface="DejaVu Sans"/>
               </a:rPr>
               <a:t>return self.a - self.b</a:t>
             </a:r>
@@ -5946,7 +6051,7 @@
         <p:spPr>
           <a:xfrm>
             <a:off x="4320000" y="382680"/>
-            <a:ext cx="3075840" cy="4656960"/>
+            <a:ext cx="3075480" cy="4656600"/>
           </a:xfrm>
           <a:prstGeom prst="rect">
             <a:avLst/>
@@ -5999,7 +6104,7 @@
         <p:spPr>
           <a:xfrm>
             <a:off x="457200" y="274680"/>
-            <a:ext cx="8228520" cy="867240"/>
+            <a:ext cx="8228160" cy="866880"/>
           </a:xfrm>
           <a:prstGeom prst="rect">
             <a:avLst/>
@@ -6027,7 +6132,16 @@
                 </a:solidFill>
                 <a:latin typeface="Calibri"/>
               </a:rPr>
-              <a:t>Modify and Deleting Object Properties</a:t>
+              <a:t>Modify and Deleting Object </a:t>
+            </a:r>
+            <a:r>
+              <a:rPr b="1" lang="en-US" sz="2800" spc="-1" strike="noStrike">
+                <a:solidFill>
+                  <a:srgbClr val="002060"/>
+                </a:solidFill>
+                <a:latin typeface="Calibri"/>
+              </a:rPr>
+              <a:t>Properties</a:t>
             </a:r>
             <a:br>
               <a:rPr sz="2800"/>
@@ -6047,7 +6161,7 @@
         <p:spPr>
           <a:xfrm>
             <a:off x="762120" y="1295280"/>
-            <a:ext cx="7542720" cy="5474520"/>
+            <a:ext cx="7542360" cy="5474520"/>
           </a:xfrm>
           <a:prstGeom prst="rect">
             <a:avLst/>
@@ -6502,7 +6616,7 @@
         <p:spPr>
           <a:xfrm>
             <a:off x="457200" y="274680"/>
-            <a:ext cx="8228520" cy="638640"/>
+            <a:ext cx="8228160" cy="638280"/>
           </a:xfrm>
           <a:prstGeom prst="rect">
             <a:avLst/>
@@ -6547,7 +6661,7 @@
         <p:spPr>
           <a:xfrm>
             <a:off x="685800" y="1143000"/>
-            <a:ext cx="5416920" cy="6297480"/>
+            <a:ext cx="5416560" cy="6297480"/>
           </a:xfrm>
           <a:prstGeom prst="rect">
             <a:avLst/>

--- a/Ch 19 - Classes and Objects/Python Classes and Objects.pptx
+++ b/Ch 19 - Classes and Objects/Python Classes and Objects.pptx
@@ -71,7 +71,7 @@
         <p:txBody>
           <a:bodyPr/>
           <a:p>
-            <a:fld id="{E58BCA04-0BBA-40BB-9736-87EF56FFBF10}" type="slidenum">
+            <a:fld id="{1B939834-7F75-4F01-A862-7CFA5D445FAE}" type="slidenum">
               <a:t>&lt;#&gt;</a:t>
             </a:fld>
           </a:p>
@@ -133,7 +133,7 @@
         <p:spPr>
           <a:xfrm>
             <a:off x="457200" y="274680"/>
-            <a:ext cx="8228160" cy="1141560"/>
+            <a:ext cx="8227800" cy="1141200"/>
           </a:xfrm>
           <a:prstGeom prst="rect">
             <a:avLst/>
@@ -259,7 +259,7 @@
         <p:txBody>
           <a:bodyPr/>
           <a:p>
-            <a:fld id="{6BAD9A56-E79F-46AE-8881-9DAEAB9424E3}" type="slidenum">
+            <a:fld id="{B357F564-1F65-4D40-99ED-C46F93F3C630}" type="slidenum">
               <a:t>&lt;#&gt;</a:t>
             </a:fld>
           </a:p>
@@ -321,7 +321,7 @@
         <p:spPr>
           <a:xfrm>
             <a:off x="457200" y="274680"/>
-            <a:ext cx="8228160" cy="1141560"/>
+            <a:ext cx="8227800" cy="1141200"/>
           </a:xfrm>
           <a:prstGeom prst="rect">
             <a:avLst/>
@@ -515,7 +515,7 @@
         <p:txBody>
           <a:bodyPr/>
           <a:p>
-            <a:fld id="{D502F954-ADEC-42BA-9A3E-486BEB83163F}" type="slidenum">
+            <a:fld id="{9FC17DF3-63C7-4782-A546-5CD07CCD8714}" type="slidenum">
               <a:t>&lt;#&gt;</a:t>
             </a:fld>
           </a:p>
@@ -577,7 +577,7 @@
         <p:spPr>
           <a:xfrm>
             <a:off x="457200" y="274680"/>
-            <a:ext cx="8228160" cy="1141560"/>
+            <a:ext cx="8227800" cy="1141200"/>
           </a:xfrm>
           <a:prstGeom prst="rect">
             <a:avLst/>
@@ -839,7 +839,7 @@
         <p:txBody>
           <a:bodyPr/>
           <a:p>
-            <a:fld id="{AD259EBA-5500-40B2-A42F-FF7E9971D0C5}" type="slidenum">
+            <a:fld id="{B2A75653-1662-4B5A-B6F3-1A9986B22283}" type="slidenum">
               <a:t>&lt;#&gt;</a:t>
             </a:fld>
           </a:p>
@@ -901,7 +901,7 @@
         <p:spPr>
           <a:xfrm>
             <a:off x="457200" y="274680"/>
-            <a:ext cx="8228160" cy="1141560"/>
+            <a:ext cx="8227800" cy="1141200"/>
           </a:xfrm>
           <a:prstGeom prst="rect">
             <a:avLst/>
@@ -996,7 +996,7 @@
         <p:txBody>
           <a:bodyPr/>
           <a:p>
-            <a:fld id="{FCE4840F-DCB8-4228-820D-C55E99FD60EA}" type="slidenum">
+            <a:fld id="{CAF214BF-DA9D-4F94-874C-E45CAB73A68B}" type="slidenum">
               <a:t>&lt;#&gt;</a:t>
             </a:fld>
           </a:p>
@@ -1058,7 +1058,7 @@
         <p:spPr>
           <a:xfrm>
             <a:off x="457200" y="274680"/>
-            <a:ext cx="8228160" cy="1141560"/>
+            <a:ext cx="8227800" cy="1141200"/>
           </a:xfrm>
           <a:prstGeom prst="rect">
             <a:avLst/>
@@ -1150,7 +1150,7 @@
         <p:txBody>
           <a:bodyPr/>
           <a:p>
-            <a:fld id="{B59A098C-B4C2-4F1D-A229-88436F88ECC6}" type="slidenum">
+            <a:fld id="{332DDB66-5E19-4434-B4EA-9BDDCF790715}" type="slidenum">
               <a:t>&lt;#&gt;</a:t>
             </a:fld>
           </a:p>
@@ -1212,7 +1212,7 @@
         <p:spPr>
           <a:xfrm>
             <a:off x="457200" y="274680"/>
-            <a:ext cx="8228160" cy="1141560"/>
+            <a:ext cx="8227800" cy="1141200"/>
           </a:xfrm>
           <a:prstGeom prst="rect">
             <a:avLst/>
@@ -1338,7 +1338,7 @@
         <p:txBody>
           <a:bodyPr/>
           <a:p>
-            <a:fld id="{52D44DC2-963A-499F-95E4-B30A546CEC72}" type="slidenum">
+            <a:fld id="{C0443CBE-0736-4433-9F54-0CD5F900E918}" type="slidenum">
               <a:t>&lt;#&gt;</a:t>
             </a:fld>
           </a:p>
@@ -1400,7 +1400,7 @@
         <p:spPr>
           <a:xfrm>
             <a:off x="457200" y="274680"/>
-            <a:ext cx="8228160" cy="1141560"/>
+            <a:ext cx="8227800" cy="1141200"/>
           </a:xfrm>
           <a:prstGeom prst="rect">
             <a:avLst/>
@@ -1458,7 +1458,7 @@
         <p:txBody>
           <a:bodyPr/>
           <a:p>
-            <a:fld id="{57D1F1B4-E357-4EB1-9A1E-698FD1FB0BF8}" type="slidenum">
+            <a:fld id="{9951FF3A-5FC7-4571-A8F1-2151B8C2CDD6}" type="slidenum">
               <a:t>&lt;#&gt;</a:t>
             </a:fld>
           </a:p>
@@ -1520,7 +1520,7 @@
         <p:spPr>
           <a:xfrm>
             <a:off x="457200" y="274680"/>
-            <a:ext cx="8228160" cy="5292720"/>
+            <a:ext cx="8227800" cy="5291280"/>
           </a:xfrm>
           <a:prstGeom prst="rect">
             <a:avLst/>
@@ -1578,7 +1578,7 @@
         <p:txBody>
           <a:bodyPr/>
           <a:p>
-            <a:fld id="{2317C56F-1478-4C46-B6CE-A88F9D2ECE1B}" type="slidenum">
+            <a:fld id="{9547E591-35DF-4674-AE90-892B4F70A50D}" type="slidenum">
               <a:t>&lt;#&gt;</a:t>
             </a:fld>
           </a:p>
@@ -1640,7 +1640,7 @@
         <p:spPr>
           <a:xfrm>
             <a:off x="457200" y="274680"/>
-            <a:ext cx="8228160" cy="1141560"/>
+            <a:ext cx="8227800" cy="1141200"/>
           </a:xfrm>
           <a:prstGeom prst="rect">
             <a:avLst/>
@@ -1800,7 +1800,7 @@
         <p:txBody>
           <a:bodyPr/>
           <a:p>
-            <a:fld id="{2734CB3B-6E9F-45D9-B5F4-90A84154DDE3}" type="slidenum">
+            <a:fld id="{C9C32BD6-4737-44B8-AAA9-838F5B53A21B}" type="slidenum">
               <a:t>&lt;#&gt;</a:t>
             </a:fld>
           </a:p>
@@ -1862,7 +1862,7 @@
         <p:spPr>
           <a:xfrm>
             <a:off x="457200" y="274680"/>
-            <a:ext cx="8228160" cy="1141560"/>
+            <a:ext cx="8227800" cy="1141200"/>
           </a:xfrm>
           <a:prstGeom prst="rect">
             <a:avLst/>
@@ -2022,7 +2022,7 @@
         <p:txBody>
           <a:bodyPr/>
           <a:p>
-            <a:fld id="{B9166553-E324-46B0-9D4E-A64B604A40F1}" type="slidenum">
+            <a:fld id="{476AD907-1033-40FB-9FE3-E3E7B73EE0D1}" type="slidenum">
               <a:t>&lt;#&gt;</a:t>
             </a:fld>
           </a:p>
@@ -2084,7 +2084,7 @@
         <p:spPr>
           <a:xfrm>
             <a:off x="457200" y="274680"/>
-            <a:ext cx="8228160" cy="1141560"/>
+            <a:ext cx="8227800" cy="1141200"/>
           </a:xfrm>
           <a:prstGeom prst="rect">
             <a:avLst/>
@@ -2244,7 +2244,7 @@
         <p:txBody>
           <a:bodyPr/>
           <a:p>
-            <a:fld id="{6A5B7A39-015E-46C5-8C76-4C141577CC16}" type="slidenum">
+            <a:fld id="{F0AF3C96-2535-4C7F-8D38-F526E7C5021F}" type="slidenum">
               <a:t>&lt;#&gt;</a:t>
             </a:fld>
           </a:p>
@@ -2313,7 +2313,7 @@
         <p:spPr>
           <a:xfrm>
             <a:off x="457200" y="274680"/>
-            <a:ext cx="8228160" cy="1141560"/>
+            <a:ext cx="8227800" cy="1141200"/>
           </a:xfrm>
           <a:prstGeom prst="rect">
             <a:avLst/>
@@ -2353,7 +2353,7 @@
         <p:spPr>
           <a:xfrm>
             <a:off x="3124080" y="6356520"/>
-            <a:ext cx="2894040" cy="363600"/>
+            <a:ext cx="2893680" cy="363240"/>
           </a:xfrm>
           <a:prstGeom prst="rect">
             <a:avLst/>
@@ -2389,7 +2389,7 @@
               <a:rPr b="0" lang="en-IN" sz="1400" spc="-1" strike="noStrike">
                 <a:latin typeface="Times New Roman"/>
               </a:rPr>
-              <a:t>&lt;footer&gt;</a:t>
+              <a:t> </a:t>
             </a:r>
             <a:endParaRPr b="0" lang="en-IN" sz="1400" spc="-1" strike="noStrike">
               <a:latin typeface="Times New Roman"/>
@@ -2410,7 +2410,7 @@
         <p:spPr>
           <a:xfrm>
             <a:off x="6553080" y="6356520"/>
-            <a:ext cx="2132280" cy="363600"/>
+            <a:ext cx="2131920" cy="363240"/>
           </a:xfrm>
           <a:prstGeom prst="rect">
             <a:avLst/>
@@ -2445,14 +2445,14 @@
               </a:lnSpc>
               <a:buNone/>
             </a:pPr>
-            <a:fld id="{77895FC5-2947-49EC-A1EE-04771A690E7D}" type="slidenum">
+            <a:fld id="{EB3250E5-E40F-4F49-96B5-0FE4B9A58F77}" type="slidenum">
               <a:rPr b="0" lang="en-US" sz="1200" spc="-1" strike="noStrike">
                 <a:solidFill>
                   <a:srgbClr val="8b8b8b"/>
                 </a:solidFill>
                 <a:latin typeface="Calibri"/>
               </a:rPr>
-              <a:t>&lt;number&gt;</a:t>
+              <a:t>3</a:t>
             </a:fld>
             <a:endParaRPr b="0" lang="en-IN" sz="1200" spc="-1" strike="noStrike">
               <a:latin typeface="Times New Roman"/>
@@ -2473,7 +2473,7 @@
         <p:spPr>
           <a:xfrm>
             <a:off x="457200" y="6356520"/>
-            <a:ext cx="2132280" cy="363600"/>
+            <a:ext cx="2131920" cy="363240"/>
           </a:xfrm>
           <a:prstGeom prst="rect">
             <a:avLst/>
@@ -2499,7 +2499,7 @@
               <a:rPr b="0" lang="en-IN" sz="1400" spc="-1" strike="noStrike">
                 <a:latin typeface="Times New Roman"/>
               </a:rPr>
-              <a:t>&lt;date/time&gt;</a:t>
+              <a:t> </a:t>
             </a:r>
             <a:endParaRPr b="0" lang="en-IN" sz="1400" spc="-1" strike="noStrike">
               <a:latin typeface="Times New Roman"/>
@@ -2740,7 +2740,7 @@
         <p:spPr>
           <a:xfrm>
             <a:off x="457200" y="0"/>
-            <a:ext cx="8228160" cy="1217880"/>
+            <a:ext cx="8227800" cy="1217520"/>
           </a:xfrm>
           <a:prstGeom prst="rect">
             <a:avLst/>
@@ -2788,7 +2788,7 @@
         <p:spPr>
           <a:xfrm>
             <a:off x="88920" y="762120"/>
-            <a:ext cx="8730720" cy="2009880"/>
+            <a:ext cx="8730360" cy="2009880"/>
           </a:xfrm>
           <a:prstGeom prst="rect">
             <a:avLst/>
@@ -3192,7 +3192,7 @@
         <p:spPr>
           <a:xfrm>
             <a:off x="457200" y="228600"/>
-            <a:ext cx="8228160" cy="684360"/>
+            <a:ext cx="8227800" cy="684000"/>
           </a:xfrm>
           <a:prstGeom prst="rect">
             <a:avLst/>
@@ -3240,7 +3240,7 @@
         <p:spPr>
           <a:xfrm>
             <a:off x="762120" y="675720"/>
-            <a:ext cx="7337520" cy="3040920"/>
+            <a:ext cx="7337160" cy="3040920"/>
           </a:xfrm>
           <a:prstGeom prst="rect">
             <a:avLst/>
@@ -3493,7 +3493,7 @@
         <p:spPr>
           <a:xfrm>
             <a:off x="762120" y="3733920"/>
-            <a:ext cx="6856560" cy="516240"/>
+            <a:ext cx="6856200" cy="516240"/>
           </a:xfrm>
           <a:prstGeom prst="rect">
             <a:avLst/>
@@ -3545,7 +3545,7 @@
         <p:spPr>
           <a:xfrm>
             <a:off x="360000" y="4307400"/>
-            <a:ext cx="8639280" cy="638280"/>
+            <a:ext cx="8638920" cy="638280"/>
           </a:xfrm>
           <a:prstGeom prst="rect">
             <a:avLst/>
@@ -3597,7 +3597,7 @@
         <p:spPr>
           <a:xfrm>
             <a:off x="540000" y="5189040"/>
-            <a:ext cx="5537520" cy="2191320"/>
+            <a:ext cx="5537160" cy="2191320"/>
           </a:xfrm>
           <a:prstGeom prst="rect">
             <a:avLst/>
@@ -3800,7 +3800,7 @@
         <p:spPr>
           <a:xfrm>
             <a:off x="360000" y="117360"/>
-            <a:ext cx="8228160" cy="1141560"/>
+            <a:ext cx="8227800" cy="1141200"/>
           </a:xfrm>
           <a:prstGeom prst="rect">
             <a:avLst/>
@@ -3848,7 +3848,7 @@
         <p:spPr>
           <a:xfrm>
             <a:off x="0" y="878760"/>
-            <a:ext cx="9143280" cy="1063080"/>
+            <a:ext cx="9142920" cy="1063080"/>
           </a:xfrm>
           <a:prstGeom prst="rect">
             <a:avLst/>
@@ -4018,8 +4018,8 @@
         </p:nvSpPr>
         <p:spPr>
           <a:xfrm>
-            <a:off x="540000" y="2514600"/>
-            <a:ext cx="8459280" cy="4956840"/>
+            <a:off x="266400" y="2281320"/>
+            <a:ext cx="8458920" cy="4956840"/>
           </a:xfrm>
           <a:prstGeom prst="rect">
             <a:avLst/>
@@ -4335,7 +4335,7 @@
         <p:spPr>
           <a:xfrm>
             <a:off x="180000" y="1417320"/>
-            <a:ext cx="8818920" cy="5720400"/>
+            <a:ext cx="8818560" cy="5720040"/>
           </a:xfrm>
           <a:prstGeom prst="rect">
             <a:avLst/>
@@ -4693,7 +4693,7 @@
         <p:spPr>
           <a:xfrm>
             <a:off x="180000" y="0"/>
-            <a:ext cx="8228160" cy="1141560"/>
+            <a:ext cx="8227800" cy="1141200"/>
           </a:xfrm>
           <a:prstGeom prst="rect">
             <a:avLst/>
@@ -4726,6 +4726,7 @@
                   <a:srgbClr val="002060"/>
                 </a:solidFill>
                 <a:latin typeface="Calibri"/>
+                <a:ea typeface="DejaVu Sans"/>
               </a:rPr>
               <a:t>A word about ‘self’</a:t>
             </a:r>
@@ -4778,7 +4779,7 @@
         <p:spPr>
           <a:xfrm>
             <a:off x="97200" y="72000"/>
-            <a:ext cx="8228160" cy="866880"/>
+            <a:ext cx="8227800" cy="866520"/>
           </a:xfrm>
           <a:prstGeom prst="rect">
             <a:avLst/>
@@ -4823,7 +4824,7 @@
         <p:spPr>
           <a:xfrm>
             <a:off x="380880" y="1066680"/>
-            <a:ext cx="8228160" cy="638280"/>
+            <a:ext cx="8227800" cy="638280"/>
           </a:xfrm>
           <a:prstGeom prst="rect">
             <a:avLst/>
@@ -4910,7 +4911,7 @@
         <p:spPr>
           <a:xfrm>
             <a:off x="180000" y="1600200"/>
-            <a:ext cx="8819280" cy="5262120"/>
+            <a:ext cx="8818920" cy="5262120"/>
           </a:xfrm>
           <a:prstGeom prst="rect">
             <a:avLst/>
@@ -5058,7 +5059,7 @@
                 <a:latin typeface="Calibri"/>
                 <a:ea typeface="DejaVu Sans"/>
               </a:rPr>
-              <a:t>def myfunc(self):</a:t>
+              <a:t>def greeting(self):</a:t>
             </a:r>
             <a:br>
               <a:rPr sz="1600"/>
@@ -5108,7 +5109,7 @@
                 <a:latin typeface="Calibri"/>
                 <a:ea typeface="DejaVu Sans"/>
               </a:rPr>
-              <a:t>p1.myfunc() </a:t>
+              <a:t>p1.greeting() </a:t>
             </a:r>
             <a:endParaRPr b="0" lang="en-IN" sz="1600" spc="-1" strike="noStrike">
               <a:latin typeface="Arial"/>
@@ -5298,7 +5299,7 @@
         <p:spPr>
           <a:xfrm>
             <a:off x="457200" y="274680"/>
-            <a:ext cx="8228160" cy="1141560"/>
+            <a:ext cx="8227800" cy="1141200"/>
           </a:xfrm>
           <a:prstGeom prst="rect">
             <a:avLst/>
@@ -5340,7 +5341,7 @@
         <p:spPr>
           <a:xfrm>
             <a:off x="360000" y="1737720"/>
-            <a:ext cx="7379280" cy="601560"/>
+            <a:ext cx="7378920" cy="601200"/>
           </a:xfrm>
           <a:prstGeom prst="rect">
             <a:avLst/>
@@ -5392,7 +5393,7 @@
         <p:spPr>
           <a:xfrm>
             <a:off x="540000" y="2340000"/>
-            <a:ext cx="6479280" cy="2137320"/>
+            <a:ext cx="6478920" cy="2136960"/>
           </a:xfrm>
           <a:prstGeom prst="rect">
             <a:avLst/>
@@ -5571,7 +5572,7 @@
         <p:spPr>
           <a:xfrm>
             <a:off x="360000" y="4077720"/>
-            <a:ext cx="7919280" cy="601560"/>
+            <a:ext cx="7918920" cy="601200"/>
           </a:xfrm>
           <a:prstGeom prst="rect">
             <a:avLst/>
@@ -5653,7 +5654,7 @@
         <p:spPr>
           <a:xfrm>
             <a:off x="360000" y="360000"/>
-            <a:ext cx="8639280" cy="4440960"/>
+            <a:ext cx="8638920" cy="4440600"/>
           </a:xfrm>
           <a:prstGeom prst="rect">
             <a:avLst/>
@@ -6051,7 +6052,7 @@
         <p:spPr>
           <a:xfrm>
             <a:off x="4320000" y="382680"/>
-            <a:ext cx="3075480" cy="4656600"/>
+            <a:ext cx="3075120" cy="4656240"/>
           </a:xfrm>
           <a:prstGeom prst="rect">
             <a:avLst/>
@@ -6104,7 +6105,7 @@
         <p:spPr>
           <a:xfrm>
             <a:off x="457200" y="274680"/>
-            <a:ext cx="8228160" cy="866880"/>
+            <a:ext cx="8227800" cy="866520"/>
           </a:xfrm>
           <a:prstGeom prst="rect">
             <a:avLst/>
@@ -6132,16 +6133,7 @@
                 </a:solidFill>
                 <a:latin typeface="Calibri"/>
               </a:rPr>
-              <a:t>Modify and Deleting Object </a:t>
-            </a:r>
-            <a:r>
-              <a:rPr b="1" lang="en-US" sz="2800" spc="-1" strike="noStrike">
-                <a:solidFill>
-                  <a:srgbClr val="002060"/>
-                </a:solidFill>
-                <a:latin typeface="Calibri"/>
-              </a:rPr>
-              <a:t>Properties</a:t>
+              <a:t>Modify and Deleting Object Properties</a:t>
             </a:r>
             <a:br>
               <a:rPr sz="2800"/>
@@ -6161,7 +6153,7 @@
         <p:spPr>
           <a:xfrm>
             <a:off x="762120" y="1295280"/>
-            <a:ext cx="7542360" cy="5474520"/>
+            <a:ext cx="7542000" cy="5474520"/>
           </a:xfrm>
           <a:prstGeom prst="rect">
             <a:avLst/>
@@ -6616,7 +6608,7 @@
         <p:spPr>
           <a:xfrm>
             <a:off x="457200" y="274680"/>
-            <a:ext cx="8228160" cy="638280"/>
+            <a:ext cx="8227800" cy="637920"/>
           </a:xfrm>
           <a:prstGeom prst="rect">
             <a:avLst/>
@@ -6661,7 +6653,7 @@
         <p:spPr>
           <a:xfrm>
             <a:off x="685800" y="1143000"/>
-            <a:ext cx="5416560" cy="6297480"/>
+            <a:ext cx="5416200" cy="6297480"/>
           </a:xfrm>
           <a:prstGeom prst="rect">
             <a:avLst/>
